--- a/PosterAndExtra/Poster.pptx
+++ b/PosterAndExtra/Poster.pptx
@@ -197,7 +197,7 @@
           <a:p>
             <a:fld id="{87364538-87FA-7C43-96BF-1F76E4CC8B12}" type="datetimeFigureOut">
               <a:rPr lang="en-ES" smtClean="0"/>
-              <a:t>02/12/2020</a:t>
+              <a:t>03/12/2020</a:t>
             </a:fld>
             <a:endParaRPr lang="en-ES"/>
           </a:p>
@@ -680,7 +680,7 @@
           <a:p>
             <a:fld id="{DC89E6F9-F622-384A-BC03-AE3978A27356}" type="datetimeFigureOut">
               <a:rPr lang="en-ES" smtClean="0"/>
-              <a:t>02/12/2020</a:t>
+              <a:t>03/12/2020</a:t>
             </a:fld>
             <a:endParaRPr lang="en-ES"/>
           </a:p>
@@ -850,7 +850,7 @@
           <a:p>
             <a:fld id="{DC89E6F9-F622-384A-BC03-AE3978A27356}" type="datetimeFigureOut">
               <a:rPr lang="en-ES" smtClean="0"/>
-              <a:t>02/12/2020</a:t>
+              <a:t>03/12/2020</a:t>
             </a:fld>
             <a:endParaRPr lang="en-ES"/>
           </a:p>
@@ -1030,7 +1030,7 @@
           <a:p>
             <a:fld id="{DC89E6F9-F622-384A-BC03-AE3978A27356}" type="datetimeFigureOut">
               <a:rPr lang="en-ES" smtClean="0"/>
-              <a:t>02/12/2020</a:t>
+              <a:t>03/12/2020</a:t>
             </a:fld>
             <a:endParaRPr lang="en-ES"/>
           </a:p>
@@ -1200,7 +1200,7 @@
           <a:p>
             <a:fld id="{DC89E6F9-F622-384A-BC03-AE3978A27356}" type="datetimeFigureOut">
               <a:rPr lang="en-ES" smtClean="0"/>
-              <a:t>02/12/2020</a:t>
+              <a:t>03/12/2020</a:t>
             </a:fld>
             <a:endParaRPr lang="en-ES"/>
           </a:p>
@@ -1444,7 +1444,7 @@
           <a:p>
             <a:fld id="{DC89E6F9-F622-384A-BC03-AE3978A27356}" type="datetimeFigureOut">
               <a:rPr lang="en-ES" smtClean="0"/>
-              <a:t>02/12/2020</a:t>
+              <a:t>03/12/2020</a:t>
             </a:fld>
             <a:endParaRPr lang="en-ES"/>
           </a:p>
@@ -1676,7 +1676,7 @@
           <a:p>
             <a:fld id="{DC89E6F9-F622-384A-BC03-AE3978A27356}" type="datetimeFigureOut">
               <a:rPr lang="en-ES" smtClean="0"/>
-              <a:t>02/12/2020</a:t>
+              <a:t>03/12/2020</a:t>
             </a:fld>
             <a:endParaRPr lang="en-ES"/>
           </a:p>
@@ -2043,7 +2043,7 @@
           <a:p>
             <a:fld id="{DC89E6F9-F622-384A-BC03-AE3978A27356}" type="datetimeFigureOut">
               <a:rPr lang="en-ES" smtClean="0"/>
-              <a:t>02/12/2020</a:t>
+              <a:t>03/12/2020</a:t>
             </a:fld>
             <a:endParaRPr lang="en-ES"/>
           </a:p>
@@ -2161,7 +2161,7 @@
           <a:p>
             <a:fld id="{DC89E6F9-F622-384A-BC03-AE3978A27356}" type="datetimeFigureOut">
               <a:rPr lang="en-ES" smtClean="0"/>
-              <a:t>02/12/2020</a:t>
+              <a:t>03/12/2020</a:t>
             </a:fld>
             <a:endParaRPr lang="en-ES"/>
           </a:p>
@@ -2256,7 +2256,7 @@
           <a:p>
             <a:fld id="{DC89E6F9-F622-384A-BC03-AE3978A27356}" type="datetimeFigureOut">
               <a:rPr lang="en-ES" smtClean="0"/>
-              <a:t>02/12/2020</a:t>
+              <a:t>03/12/2020</a:t>
             </a:fld>
             <a:endParaRPr lang="en-ES"/>
           </a:p>
@@ -2533,7 +2533,7 @@
           <a:p>
             <a:fld id="{DC89E6F9-F622-384A-BC03-AE3978A27356}" type="datetimeFigureOut">
               <a:rPr lang="en-ES" smtClean="0"/>
-              <a:t>02/12/2020</a:t>
+              <a:t>03/12/2020</a:t>
             </a:fld>
             <a:endParaRPr lang="en-ES"/>
           </a:p>
@@ -2790,7 +2790,7 @@
           <a:p>
             <a:fld id="{DC89E6F9-F622-384A-BC03-AE3978A27356}" type="datetimeFigureOut">
               <a:rPr lang="en-ES" smtClean="0"/>
-              <a:t>02/12/2020</a:t>
+              <a:t>03/12/2020</a:t>
             </a:fld>
             <a:endParaRPr lang="en-ES"/>
           </a:p>
@@ -3003,7 +3003,7 @@
           <a:p>
             <a:fld id="{DC89E6F9-F622-384A-BC03-AE3978A27356}" type="datetimeFigureOut">
               <a:rPr lang="en-ES" smtClean="0"/>
-              <a:t>02/12/2020</a:t>
+              <a:t>03/12/2020</a:t>
             </a:fld>
             <a:endParaRPr lang="en-ES"/>
           </a:p>

--- a/PosterAndExtra/Poster.pptx
+++ b/PosterAndExtra/Poster.pptx
@@ -3422,8 +3422,8 @@
         </p:nvSpPr>
         <p:spPr>
           <a:xfrm>
-            <a:off x="15319361" y="12203744"/>
-            <a:ext cx="5759466" cy="6111658"/>
+            <a:off x="15319361" y="11845159"/>
+            <a:ext cx="5759466" cy="5762585"/>
           </a:xfrm>
           <a:prstGeom prst="rect">
             <a:avLst/>
@@ -3454,7 +3454,7 @@
           <a:p>
             <a:pPr algn="just"/>
             <a:r>
-              <a:rPr lang="en-ES" sz="2000" dirty="0"/>
+              <a:rPr lang="en-ES" dirty="0"/>
               <a:t>The AUC obtained for each of the models is shown in the table bellow.</a:t>
             </a:r>
           </a:p>
@@ -3465,15 +3465,15 @@
               <a:buChar char="🟢"/>
             </a:pPr>
             <a:r>
-              <a:rPr lang="en-ES" sz="2000" dirty="0"/>
+              <a:rPr lang="en-ES" dirty="0"/>
               <a:t>1</a:t>
             </a:r>
             <a:r>
-              <a:rPr lang="en-ES" sz="2000" baseline="30000" dirty="0"/>
+              <a:rPr lang="en-ES" baseline="30000" dirty="0"/>
               <a:t>st</a:t>
             </a:r>
             <a:r>
-              <a:rPr lang="en-ES" sz="2000" dirty="0"/>
+              <a:rPr lang="en-ES" dirty="0"/>
               <a:t> model includes all variables</a:t>
             </a:r>
           </a:p>
@@ -3484,15 +3484,15 @@
               <a:buChar char="🟢"/>
             </a:pPr>
             <a:r>
-              <a:rPr lang="en-ES" sz="2000" dirty="0"/>
+              <a:rPr lang="en-ES" dirty="0"/>
               <a:t>2</a:t>
             </a:r>
             <a:r>
-              <a:rPr lang="en-ES" sz="2000" baseline="30000" dirty="0"/>
+              <a:rPr lang="en-ES" baseline="30000" dirty="0"/>
               <a:t>nd</a:t>
             </a:r>
             <a:r>
-              <a:rPr lang="en-ES" sz="2000" dirty="0"/>
+              <a:rPr lang="en-ES" dirty="0"/>
               <a:t> model removes Country and Ethnicity.</a:t>
             </a:r>
           </a:p>
@@ -3503,7 +3503,7 @@
               <a:buChar char="🟢"/>
             </a:pPr>
             <a:r>
-              <a:rPr lang="en-ES" sz="2000" dirty="0"/>
+              <a:rPr lang="en-ES" dirty="0"/>
               <a:t>Bootstrap means:</a:t>
             </a:r>
           </a:p>
@@ -3514,7 +3514,7 @@
               <a:buChar char="🟠"/>
             </a:pPr>
             <a:r>
-              <a:rPr lang="en-ES" sz="2000" dirty="0"/>
+              <a:rPr lang="en-ES" dirty="0"/>
               <a:t>Bootstrap validation for decision trees</a:t>
             </a:r>
           </a:p>
@@ -3525,7 +3525,7 @@
               <a:buChar char="🟠"/>
             </a:pPr>
             <a:r>
-              <a:rPr lang="en-ES" sz="2000" dirty="0"/>
+              <a:rPr lang="en-ES" dirty="0"/>
               <a:t>Out of bag validation for random forests</a:t>
             </a:r>
           </a:p>
@@ -3534,15 +3534,15 @@
               <a:buSzPct val="50000"/>
             </a:pPr>
             <a:r>
-              <a:rPr lang="en-ES" sz="2000" dirty="0"/>
+              <a:rPr lang="en-ES" dirty="0"/>
               <a:t>We see lower AUC scores for the 2</a:t>
             </a:r>
             <a:r>
-              <a:rPr lang="en-ES" sz="2000" baseline="30000" dirty="0"/>
+              <a:rPr lang="en-ES" baseline="30000" dirty="0"/>
               <a:t>nd</a:t>
             </a:r>
             <a:r>
-              <a:rPr lang="en-ES" sz="2000" dirty="0"/>
+              <a:rPr lang="en-ES" dirty="0"/>
               <a:t> model.</a:t>
             </a:r>
           </a:p>
@@ -3607,7 +3607,7 @@
           <a:p>
             <a:pPr algn="ctr"/>
             <a:r>
-              <a:rPr lang="en-ES" sz="3600" b="1" dirty="0">
+              <a:rPr lang="en-ES" sz="3200" b="1" dirty="0">
                 <a:solidFill>
                   <a:schemeClr val="tx1">
                     <a:lumMod val="85000"/>
@@ -3635,7 +3635,7 @@
         <p:spPr>
           <a:xfrm>
             <a:off x="283241" y="1781363"/>
-            <a:ext cx="6117559" cy="541707"/>
+            <a:ext cx="6117559" cy="415477"/>
           </a:xfrm>
           <a:prstGeom prst="roundRect">
             <a:avLst>
@@ -3679,8 +3679,27 @@
                   </a:schemeClr>
                 </a:solidFill>
               </a:rPr>
-              <a:t>Description and motivation</a:t>
-            </a:r>
+              <a:t>Description and </a:t>
+            </a:r>
+            <a:r>
+              <a:rPr lang="en-ES" sz="2800" b="1" dirty="0">
+                <a:solidFill>
+                  <a:schemeClr val="tx1">
+                    <a:lumMod val="85000"/>
+                    <a:lumOff val="15000"/>
+                  </a:schemeClr>
+                </a:solidFill>
+              </a:rPr>
+              <a:t>motivation</a:t>
+            </a:r>
+            <a:endParaRPr lang="en-ES" sz="3200" b="1" dirty="0">
+              <a:solidFill>
+                <a:schemeClr val="tx1">
+                  <a:lumMod val="85000"/>
+                  <a:lumOff val="15000"/>
+                </a:schemeClr>
+              </a:solidFill>
+            </a:endParaRPr>
           </a:p>
         </p:txBody>
       </p:sp>
@@ -3699,7 +3718,7 @@
         <p:spPr>
           <a:xfrm>
             <a:off x="6645590" y="1781363"/>
-            <a:ext cx="8431850" cy="541708"/>
+            <a:ext cx="8431850" cy="423587"/>
           </a:xfrm>
           <a:prstGeom prst="roundRect">
             <a:avLst>
@@ -3735,7 +3754,7 @@
           <a:p>
             <a:pPr algn="ctr"/>
             <a:r>
-              <a:rPr lang="en-ES" sz="3200" b="1" dirty="0">
+              <a:rPr lang="en-ES" sz="2800" b="1" dirty="0">
                 <a:solidFill>
                   <a:schemeClr val="tx1">
                     <a:lumMod val="85000"/>
@@ -3762,7 +3781,7 @@
         </p:nvSpPr>
         <p:spPr>
           <a:xfrm>
-            <a:off x="283239" y="2504539"/>
+            <a:off x="283239" y="2343178"/>
             <a:ext cx="6117559" cy="3923524"/>
           </a:xfrm>
           <a:prstGeom prst="rect">
@@ -3789,7 +3808,7 @@
           </a:fontRef>
         </p:style>
         <p:txBody>
-          <a:bodyPr lIns="180000" tIns="360000" rIns="360000" bIns="0" rtlCol="0" anchor="ctr"/>
+          <a:bodyPr lIns="180000" tIns="468000" rIns="360000" bIns="0" rtlCol="0" anchor="ctr"/>
           <a:lstStyle/>
           <a:p>
             <a:pPr marL="457200" indent="-457200" algn="just">
@@ -3798,15 +3817,15 @@
               <a:buChar char="🟢"/>
             </a:pPr>
             <a:r>
-              <a:rPr lang="en-ES" sz="2000" dirty="0"/>
+              <a:rPr lang="en-ES" dirty="0"/>
               <a:t>The original dataset was used and created by </a:t>
             </a:r>
             <a:r>
-              <a:rPr lang="en-GB" sz="2000" dirty="0" err="1"/>
+              <a:rPr lang="en-GB" dirty="0" err="1"/>
               <a:t>Fehrman</a:t>
             </a:r>
             <a:r>
-              <a:rPr lang="en-GB" sz="2000" dirty="0"/>
+              <a:rPr lang="en-GB" dirty="0"/>
               <a:t> E., et al. (2017) [1]. The purpose of their study was to predict drug consumption from individual and personality traits. </a:t>
             </a:r>
           </a:p>
@@ -3817,35 +3836,35 @@
               <a:buChar char="🟢"/>
             </a:pPr>
             <a:r>
-              <a:rPr lang="en-GB" sz="2000" dirty="0"/>
+              <a:rPr lang="en-GB" dirty="0"/>
               <a:t>It uses the revised </a:t>
             </a:r>
             <a:r>
-              <a:rPr lang="en-GB" sz="2000" b="1" dirty="0"/>
+              <a:rPr lang="en-GB" b="1" dirty="0"/>
               <a:t>NEO Five Factor Inventory </a:t>
             </a:r>
             <a:r>
-              <a:rPr lang="en-GB" sz="2000" dirty="0"/>
+              <a:rPr lang="en-GB" dirty="0"/>
               <a:t>[2], the reviewed </a:t>
             </a:r>
             <a:r>
-              <a:rPr lang="en-GB" sz="2000" b="1" dirty="0" err="1"/>
+              <a:rPr lang="en-GB" b="1" dirty="0" err="1"/>
               <a:t>Baratt</a:t>
             </a:r>
             <a:r>
-              <a:rPr lang="en-GB" sz="2000" b="1" dirty="0"/>
+              <a:rPr lang="en-GB" b="1" dirty="0"/>
               <a:t> Impulsiveness Scale </a:t>
             </a:r>
             <a:r>
-              <a:rPr lang="en-GB" sz="2000" dirty="0"/>
+              <a:rPr lang="en-GB" dirty="0"/>
               <a:t>[3] and the </a:t>
             </a:r>
             <a:r>
-              <a:rPr lang="en-GB" sz="2000" b="1" dirty="0"/>
+              <a:rPr lang="en-GB" b="1" dirty="0"/>
               <a:t>Sensation Seeking scale</a:t>
             </a:r>
             <a:r>
-              <a:rPr lang="en-GB" sz="2000" dirty="0"/>
+              <a:rPr lang="en-GB" dirty="0"/>
               <a:t> [4].</a:t>
             </a:r>
           </a:p>
@@ -3856,31 +3875,31 @@
               <a:buChar char="🟢"/>
             </a:pPr>
             <a:r>
-              <a:rPr lang="en-GB" sz="2000" dirty="0"/>
+              <a:rPr lang="en-GB" dirty="0"/>
               <a:t>The aim of this project is to </a:t>
             </a:r>
             <a:r>
-              <a:rPr lang="en-GB" sz="2000" b="1" dirty="0"/>
+              <a:rPr lang="en-GB" b="1" dirty="0"/>
               <a:t>predict</a:t>
             </a:r>
             <a:r>
-              <a:rPr lang="en-GB" sz="2000" dirty="0"/>
+              <a:rPr lang="en-GB" dirty="0"/>
               <a:t> possible </a:t>
             </a:r>
             <a:r>
-              <a:rPr lang="en-GB" sz="2000" b="1" dirty="0"/>
+              <a:rPr lang="en-GB" b="1" dirty="0"/>
               <a:t>cannabis users </a:t>
             </a:r>
             <a:r>
-              <a:rPr lang="en-GB" sz="2000" dirty="0"/>
+              <a:rPr lang="en-GB" dirty="0"/>
               <a:t>on a yearly basis and the </a:t>
             </a:r>
             <a:r>
-              <a:rPr lang="en-GB" sz="2000" b="1" dirty="0"/>
+              <a:rPr lang="en-GB" b="1" dirty="0"/>
               <a:t>influence personality traits </a:t>
             </a:r>
             <a:r>
-              <a:rPr lang="en-GB" sz="2000" dirty="0"/>
+              <a:rPr lang="en-GB" dirty="0"/>
               <a:t>might have on it. </a:t>
             </a:r>
           </a:p>
@@ -3891,23 +3910,34 @@
               <a:buChar char="🟢"/>
             </a:pPr>
             <a:r>
-              <a:rPr lang="en-GB" sz="2000" dirty="0"/>
+              <a:rPr lang="en-GB" dirty="0"/>
+              <a:t>Individual traits such as Age, Gender, Education Country and Ethnicity are also considered. </a:t>
+            </a:r>
+          </a:p>
+          <a:p>
+            <a:pPr marL="457200" indent="-457200" algn="just">
+              <a:buSzPct val="75000"/>
+              <a:buFont typeface=".Apple Color Emoji UI"/>
+              <a:buChar char="🟢"/>
+            </a:pPr>
+            <a:r>
+              <a:rPr lang="en-GB" dirty="0"/>
               <a:t>The results will be </a:t>
             </a:r>
             <a:r>
-              <a:rPr lang="en-GB" sz="2000" b="1" dirty="0"/>
+              <a:rPr lang="en-GB" b="1" dirty="0"/>
               <a:t>compared </a:t>
             </a:r>
             <a:r>
-              <a:rPr lang="en-GB" sz="2000" dirty="0"/>
+              <a:rPr lang="en-GB" dirty="0"/>
               <a:t>with those obtained by </a:t>
             </a:r>
             <a:r>
-              <a:rPr lang="en-GB" sz="2000" dirty="0" err="1"/>
+              <a:rPr lang="en-GB" dirty="0" err="1"/>
               <a:t>Fehrman</a:t>
             </a:r>
             <a:r>
-              <a:rPr lang="en-GB" sz="2000" dirty="0"/>
+              <a:rPr lang="en-GB" dirty="0"/>
               <a:t> E., et al. (2017) [1].</a:t>
             </a:r>
           </a:p>
@@ -3931,8 +3961,8 @@
         </p:nvSpPr>
         <p:spPr>
           <a:xfrm>
-            <a:off x="6924778" y="27837684"/>
-            <a:ext cx="14157969" cy="2303840"/>
+            <a:off x="6804666" y="27505391"/>
+            <a:ext cx="14278081" cy="2636133"/>
           </a:xfrm>
           <a:prstGeom prst="rect">
             <a:avLst/>
@@ -4023,8 +4053,38 @@
               <a:buAutoNum type="arabicPeriod"/>
             </a:pPr>
             <a:r>
+              <a:rPr lang="en-ES" sz="1400" dirty="0"/>
+              <a:t>Snoek, J., H. Larochelle, R. P. Adams. </a:t>
+            </a:r>
+            <a:r>
+              <a:rPr lang="en-ES" sz="1400" i="1" dirty="0"/>
+              <a:t>Practical Bayesian Optimization of Machine Learning Algorithms</a:t>
+            </a:r>
+            <a:r>
+              <a:rPr lang="en-ES" sz="1400" dirty="0"/>
+              <a:t>. </a:t>
+            </a:r>
+            <a:r>
+              <a:rPr lang="en-ES" sz="1400" dirty="0">
+                <a:hlinkClick r:id="rId4"/>
+              </a:rPr>
+              <a:t>https://arxiv.org/abs/1206.2944</a:t>
+            </a:r>
+            <a:r>
+              <a:rPr lang="en-ES" sz="1400" dirty="0"/>
+              <a:t>, 2012. </a:t>
+            </a:r>
+            <a:r>
               <a:rPr lang="en-GB" sz="1400" dirty="0"/>
-              <a:t>T.M. Mitchell, Machine Learning. McGraw-Hill, 1997. </a:t>
+              <a:t>Yang, P., Hwa Yang, Y., Zhou, B., </a:t>
+            </a:r>
+            <a:r>
+              <a:rPr lang="en-GB" sz="1400" dirty="0" err="1"/>
+              <a:t>Zomaya</a:t>
+            </a:r>
+            <a:r>
+              <a:rPr lang="en-GB" sz="1400" dirty="0"/>
+              <a:t>, Y., et al.: “A review of ensemble methods in bioinformatics”. Current Bioinformatics 5(4), 296–308 (2010). </a:t>
             </a:r>
           </a:p>
           <a:p>
@@ -4034,15 +4094,15 @@
             </a:pPr>
             <a:r>
               <a:rPr lang="en-GB" sz="1400" dirty="0"/>
-              <a:t>Yang, P., Hwa Yang, Y., Zhou, B., </a:t>
+              <a:t>Ali, Jehad &amp; Khan, </a:t>
             </a:r>
             <a:r>
               <a:rPr lang="en-GB" sz="1400" dirty="0" err="1"/>
-              <a:t>Zomaya</a:t>
+              <a:t>Rehanullah</a:t>
             </a:r>
             <a:r>
               <a:rPr lang="en-GB" sz="1400" dirty="0"/>
-              <a:t>, Y., et al.: “A review of ensemble methods in bioinformatics”. Current Bioinformatics 5(4), 296–308 (2010). </a:t>
+              <a:t> &amp; Ahmad, Nasir &amp; Maqsood, Imran. (2012). Random Forests and Decision Trees. International Journal of Computer Science Issues(IJCSI). 9.</a:t>
             </a:r>
           </a:p>
           <a:p>
@@ -4051,16 +4111,12 @@
               <a:buAutoNum type="arabicPeriod"/>
             </a:pPr>
             <a:r>
+              <a:rPr lang="en-GB" sz="1400" dirty="0" err="1"/>
+              <a:t>Kohavi</a:t>
+            </a:r>
+            <a:r>
               <a:rPr lang="en-GB" sz="1400" dirty="0"/>
-              <a:t>Ali, Jehad &amp; Khan, </a:t>
-            </a:r>
-            <a:r>
-              <a:rPr lang="en-GB" sz="1400" dirty="0" err="1"/>
-              <a:t>Rehanullah</a:t>
-            </a:r>
-            <a:r>
-              <a:rPr lang="en-GB" sz="1400" dirty="0"/>
-              <a:t> &amp; Ahmad, Nasir &amp; Maqsood, Imran. (2012). Random Forests and Decision Trees. International Journal of Computer Science Issues(IJCSI). 9.</a:t>
+              <a:t>, Ron. (2001). A Study of Cross-Validation and Bootstrap for Accuracy Estimation and Model Selection. 14.</a:t>
             </a:r>
           </a:p>
           <a:p>
@@ -4070,12 +4126,41 @@
             </a:pPr>
             <a:r>
               <a:rPr lang="en-GB" sz="1400" dirty="0" err="1"/>
-              <a:t>Kohavi</a:t>
+              <a:t>Breiman</a:t>
             </a:r>
             <a:r>
               <a:rPr lang="en-GB" sz="1400" dirty="0"/>
-              <a:t>, Ron. (2001). A Study of Cross-Validation and Bootstrap for Accuracy Estimation and Model Selection. 14.</a:t>
-            </a:r>
+              <a:t>, L. Random Forests. </a:t>
+            </a:r>
+            <a:r>
+              <a:rPr lang="en-GB" sz="1400" i="1" dirty="0"/>
+              <a:t>Machine Learning</a:t>
+            </a:r>
+            <a:r>
+              <a:rPr lang="en-GB" sz="1400" dirty="0"/>
+              <a:t> 45, 5–32 (2001). </a:t>
+            </a:r>
+            <a:r>
+              <a:rPr lang="en-GB" sz="1400" dirty="0">
+                <a:hlinkClick r:id="rId5"/>
+              </a:rPr>
+              <a:t>https://doi.org/10.1023/A:1010933404324</a:t>
+            </a:r>
+            <a:r>
+              <a:rPr lang="en-GB" sz="1400" dirty="0"/>
+              <a:t> </a:t>
+            </a:r>
+          </a:p>
+          <a:p>
+            <a:pPr marL="457200" indent="-457200" algn="just">
+              <a:buFont typeface="+mj-lt"/>
+              <a:buAutoNum type="arabicPeriod"/>
+            </a:pPr>
+            <a:r>
+              <a:rPr lang="en-ES" sz="1400" dirty="0"/>
+              <a:t>Linting M, van der Kooij A. Nonlinear Principal Components Analysis with CATPCA: A tutorial. Journal of Personality Assessment. 2012; 94(1):12–25. </a:t>
+            </a:r>
+            <a:endParaRPr lang="en-GB" sz="1400" dirty="0"/>
           </a:p>
         </p:txBody>
       </p:sp>
@@ -4093,7 +4178,7 @@
         </p:nvSpPr>
         <p:spPr>
           <a:xfrm>
-            <a:off x="6645591" y="2504537"/>
+            <a:off x="6645591" y="2343176"/>
             <a:ext cx="8431849" cy="3923525"/>
           </a:xfrm>
           <a:prstGeom prst="rect">
@@ -4120,7 +4205,7 @@
           </a:fontRef>
         </p:style>
         <p:txBody>
-          <a:bodyPr lIns="180000" tIns="144000" rIns="360000" bIns="0" rtlCol="0" anchor="t" anchorCtr="0"/>
+          <a:bodyPr lIns="180000" tIns="72000" rIns="360000" bIns="0" rtlCol="0" anchor="t" anchorCtr="0"/>
           <a:lstStyle/>
           <a:p>
             <a:pPr marL="457200" indent="-457200" algn="just">
@@ -4129,15 +4214,15 @@
               <a:buChar char="🟢"/>
             </a:pPr>
             <a:r>
-              <a:rPr lang="en-GB" sz="2000" dirty="0"/>
+              <a:rPr lang="en-GB" dirty="0"/>
               <a:t>Dataset containing </a:t>
             </a:r>
             <a:r>
-              <a:rPr lang="en-GB" sz="2000" b="1" dirty="0"/>
+              <a:rPr lang="en-GB" b="1" dirty="0"/>
               <a:t>1885 samples </a:t>
             </a:r>
             <a:r>
-              <a:rPr lang="en-GB" sz="2000" dirty="0"/>
+              <a:rPr lang="en-GB" dirty="0"/>
               <a:t>with 12 predictors:</a:t>
             </a:r>
           </a:p>
@@ -4148,12 +4233,12 @@
               <a:buChar char="🟠"/>
             </a:pPr>
             <a:r>
-              <a:rPr lang="en-GB" sz="2000" b="1" dirty="0"/>
-              <a:t>5 categorical predictors</a:t>
-            </a:r>
-            <a:r>
-              <a:rPr lang="en-GB" sz="2000" dirty="0"/>
-              <a:t>: Age (binned), Gender, Country and Ethnicity.</a:t>
+              <a:rPr lang="en-GB" b="1" dirty="0"/>
+              <a:t>5 categorical</a:t>
+            </a:r>
+            <a:r>
+              <a:rPr lang="en-GB" dirty="0"/>
+              <a:t>: Age (binned), Gender, Education, Country and Ethnicity.</a:t>
             </a:r>
           </a:p>
           <a:p>
@@ -4163,12 +4248,12 @@
               <a:buChar char="🟠"/>
             </a:pPr>
             <a:r>
-              <a:rPr lang="en-GB" sz="2000" b="1" dirty="0"/>
-              <a:t>7 numerical predictors</a:t>
-            </a:r>
-            <a:r>
-              <a:rPr lang="en-GB" sz="2000" dirty="0"/>
-              <a:t> (personality tests): Neuroticism, Extraversion, Openness to experience, Agreeableness, Conscientiousness, Impulsiveness and Sensation seeking.</a:t>
+              <a:rPr lang="en-GB" b="1" dirty="0"/>
+              <a:t>7 numerical </a:t>
+            </a:r>
+            <a:r>
+              <a:rPr lang="en-GB" dirty="0"/>
+              <a:t>(personality tests): Neuroticism, Extraversion, Openness to experience, Agreeableness, Conscientiousness, Impulsiveness and Sensation seeking.</a:t>
             </a:r>
           </a:p>
           <a:p>
@@ -4178,12 +4263,12 @@
               <a:buChar char="🟢"/>
             </a:pPr>
             <a:r>
-              <a:rPr lang="en-GB" sz="2000" b="1" dirty="0"/>
+              <a:rPr lang="en-GB" b="1" dirty="0"/>
               <a:t>1 binary dependent variable </a:t>
             </a:r>
             <a:r>
-              <a:rPr lang="en-GB" sz="2000" dirty="0"/>
-              <a:t>for yearly basis cannabis user. </a:t>
+              <a:rPr lang="en-GB" dirty="0"/>
+              <a:t>for a yearly basis definition of cannabis user. </a:t>
             </a:r>
           </a:p>
           <a:p>
@@ -4193,8 +4278,16 @@
               <a:buChar char="🟢"/>
             </a:pPr>
             <a:r>
-              <a:rPr lang="en-GB" sz="2000" dirty="0"/>
-              <a:t>Original dataset was cleaned to make our study simpler. </a:t>
+              <a:rPr lang="en-GB" dirty="0"/>
+              <a:t>The data was collected using the </a:t>
+            </a:r>
+            <a:r>
+              <a:rPr lang="en-GB" b="1" dirty="0"/>
+              <a:t>snowball method</a:t>
+            </a:r>
+            <a:r>
+              <a:rPr lang="en-GB" dirty="0"/>
+              <a:t>. </a:t>
             </a:r>
           </a:p>
           <a:p>
@@ -4204,12 +4297,16 @@
               <a:buChar char="🟢"/>
             </a:pPr>
             <a:r>
-              <a:rPr lang="en-GB" sz="2000" b="1" dirty="0"/>
-              <a:t>Data imbalance</a:t>
-            </a:r>
-            <a:r>
-              <a:rPr lang="en-GB" sz="2000" dirty="0"/>
-              <a:t>: Country: ~60% UK ~30% USA and Ethnicity: ~95% White (see figure A).</a:t>
+              <a:rPr lang="en-GB" dirty="0"/>
+              <a:t>Original dataset was cleaned to make our study simpler (the original dataset used </a:t>
+            </a:r>
+            <a:r>
+              <a:rPr lang="en-GB" dirty="0" err="1"/>
+              <a:t>CatPCA</a:t>
+            </a:r>
+            <a:r>
+              <a:rPr lang="en-GB" dirty="0"/>
+              <a:t> [9]). </a:t>
             </a:r>
           </a:p>
           <a:p>
@@ -4219,20 +4316,51 @@
               <a:buChar char="🟢"/>
             </a:pPr>
             <a:r>
-              <a:rPr lang="en-GB" sz="2000" b="1" dirty="0"/>
+              <a:rPr lang="en-GB" b="1" dirty="0"/>
+              <a:t>Data imbalance</a:t>
+            </a:r>
+            <a:r>
+              <a:rPr lang="en-GB" dirty="0"/>
+              <a:t>: Country: ~60% UK ~30% USA and Ethnicity: ~95% White (see figure A). Probably due to the snowball method. </a:t>
+            </a:r>
+          </a:p>
+          <a:p>
+            <a:pPr marL="457200" indent="-457200" algn="just">
+              <a:buSzPct val="75000"/>
+              <a:buFont typeface=".Apple Color Emoji UI"/>
+              <a:buChar char="🟢"/>
+            </a:pPr>
+            <a:r>
+              <a:rPr lang="en-GB" b="1" dirty="0"/>
               <a:t>Correlation</a:t>
             </a:r>
             <a:r>
-              <a:rPr lang="en-GB" sz="2000" dirty="0"/>
+              <a:rPr lang="en-GB" dirty="0"/>
               <a:t> with cannabis consumption </a:t>
             </a:r>
             <a:r>
-              <a:rPr lang="en-GB" sz="2000" b="1" dirty="0"/>
+              <a:rPr lang="en-GB" b="1" dirty="0"/>
               <a:t>was higher </a:t>
             </a:r>
             <a:r>
-              <a:rPr lang="en-GB" sz="2000" dirty="0"/>
-              <a:t>for personality traits: Openness to Experience, Conscientiousness, Impulsiveness and Sensation Seeking (see figure B).</a:t>
+              <a:rPr lang="en-GB" dirty="0"/>
+              <a:t>for personality traits: </a:t>
+            </a:r>
+            <a:r>
+              <a:rPr lang="en-GB" b="1" i="1" dirty="0"/>
+              <a:t>Openness to Experience, Conscientiousness, Impulsiveness </a:t>
+            </a:r>
+            <a:r>
+              <a:rPr lang="en-GB" dirty="0"/>
+              <a:t>and</a:t>
+            </a:r>
+            <a:r>
+              <a:rPr lang="en-GB" b="1" i="1" dirty="0"/>
+              <a:t> Sensation Seeking </a:t>
+            </a:r>
+            <a:r>
+              <a:rPr lang="en-GB" dirty="0"/>
+              <a:t>(see figure B).</a:t>
             </a:r>
           </a:p>
         </p:txBody>
@@ -4251,8 +4379,8 @@
         </p:nvSpPr>
         <p:spPr>
           <a:xfrm>
-            <a:off x="15319362" y="1781362"/>
-            <a:ext cx="5759465" cy="541707"/>
+            <a:off x="15319362" y="1781363"/>
+            <a:ext cx="5759465" cy="415342"/>
           </a:xfrm>
           <a:prstGeom prst="roundRect">
             <a:avLst>
@@ -4288,7 +4416,7 @@
           <a:p>
             <a:pPr algn="ctr"/>
             <a:r>
-              <a:rPr lang="en-ES" sz="3200" b="1" dirty="0">
+              <a:rPr lang="en-ES" sz="2800" b="1" dirty="0">
                 <a:solidFill>
                   <a:schemeClr val="tx1">
                     <a:lumMod val="85000"/>
@@ -4315,8 +4443,8 @@
         </p:nvSpPr>
         <p:spPr>
           <a:xfrm>
-            <a:off x="15319362" y="2506010"/>
-            <a:ext cx="5759465" cy="8564761"/>
+            <a:off x="15319362" y="2326716"/>
+            <a:ext cx="5759465" cy="8656604"/>
           </a:xfrm>
           <a:prstGeom prst="rect">
             <a:avLst/>
@@ -4350,10 +4478,10 @@
               <a:buChar char="🟢"/>
             </a:pPr>
             <a:r>
-              <a:rPr lang="en-ES" sz="2000" b="1" dirty="0"/>
+              <a:rPr lang="en-ES" b="1" dirty="0"/>
               <a:t>DECISION TREES: </a:t>
             </a:r>
-            <a:endParaRPr lang="en-ES" sz="2000" dirty="0"/>
+            <a:endParaRPr lang="en-ES" dirty="0"/>
           </a:p>
           <a:p>
             <a:pPr marL="457200" indent="-457200" algn="just">
@@ -4362,11 +4490,11 @@
               <a:buChar char="🟠"/>
             </a:pPr>
             <a:r>
-              <a:rPr lang="en-ES" sz="2000" b="1" dirty="0"/>
+              <a:rPr lang="en-ES" b="1" dirty="0"/>
               <a:t>Split</a:t>
             </a:r>
             <a:r>
-              <a:rPr lang="en-ES" sz="2000" dirty="0"/>
+              <a:rPr lang="en-ES" dirty="0"/>
               <a:t> the data by making a decision.</a:t>
             </a:r>
           </a:p>
@@ -4377,16 +4505,8 @@
               <a:buChar char="🟠"/>
             </a:pPr>
             <a:r>
-              <a:rPr lang="en-ES" sz="2000" dirty="0"/>
-              <a:t>Use </a:t>
-            </a:r>
-            <a:r>
-              <a:rPr lang="en-ES" sz="2000" b="1" dirty="0"/>
-              <a:t>information gain </a:t>
-            </a:r>
-            <a:r>
-              <a:rPr lang="en-ES" sz="2000" dirty="0"/>
-              <a:t>to make the decision. </a:t>
+              <a:rPr lang="en-ES" dirty="0"/>
+              <a:t>Each node uses a variable to split on. </a:t>
             </a:r>
           </a:p>
           <a:p>
@@ -4396,16 +4516,16 @@
               <a:buChar char="🟠"/>
             </a:pPr>
             <a:r>
-              <a:rPr lang="en-ES" sz="2000" dirty="0"/>
-              <a:t>Generate </a:t>
-            </a:r>
-            <a:r>
-              <a:rPr lang="en-ES" sz="2000" b="1" dirty="0"/>
-              <a:t>rules </a:t>
-            </a:r>
-            <a:r>
-              <a:rPr lang="en-ES" sz="2000" dirty="0"/>
-              <a:t>to predict new samples.</a:t>
+              <a:rPr lang="en-ES" dirty="0"/>
+              <a:t>Use </a:t>
+            </a:r>
+            <a:r>
+              <a:rPr lang="en-ES" b="1" dirty="0"/>
+              <a:t>information gain </a:t>
+            </a:r>
+            <a:r>
+              <a:rPr lang="en-ES" dirty="0"/>
+              <a:t>to make the decision. </a:t>
             </a:r>
           </a:p>
           <a:p>
@@ -4414,7 +4534,18 @@
               <a:buFont typeface=".Apple Color Emoji UI"/>
               <a:buChar char="🟠"/>
             </a:pPr>
-            <a:endParaRPr lang="en-ES" sz="2000" dirty="0"/>
+            <a:r>
+              <a:rPr lang="en-ES" dirty="0"/>
+              <a:t>Generate </a:t>
+            </a:r>
+            <a:r>
+              <a:rPr lang="en-ES" b="1" dirty="0"/>
+              <a:t>rules </a:t>
+            </a:r>
+            <a:r>
+              <a:rPr lang="en-ES" dirty="0"/>
+              <a:t>to predict new samples.</a:t>
+            </a:r>
           </a:p>
           <a:p>
             <a:pPr marL="457200" indent="-457200" algn="just">
@@ -4422,7 +4553,7 @@
               <a:buChar char="🟢"/>
             </a:pPr>
             <a:r>
-              <a:rPr lang="en-ES" sz="2000" b="1" dirty="0"/>
+              <a:rPr lang="en-ES" b="1" dirty="0"/>
               <a:t>RANDOM FORESTS:</a:t>
             </a:r>
           </a:p>
@@ -4433,16 +4564,16 @@
               <a:buChar char="🟠"/>
             </a:pPr>
             <a:r>
-              <a:rPr lang="en-ES" sz="2000" dirty="0"/>
-              <a:t>Use </a:t>
-            </a:r>
-            <a:r>
-              <a:rPr lang="en-ES" sz="2000" b="1" dirty="0"/>
+              <a:rPr lang="en-ES" dirty="0"/>
+              <a:t>Are built from </a:t>
+            </a:r>
+            <a:r>
+              <a:rPr lang="en-ES" b="1" dirty="0"/>
               <a:t>decision trees</a:t>
             </a:r>
             <a:r>
-              <a:rPr lang="en-ES" sz="2000" dirty="0"/>
-              <a:t> as basis. </a:t>
+              <a:rPr lang="en-ES" dirty="0"/>
+              <a:t>. </a:t>
             </a:r>
           </a:p>
           <a:p>
@@ -4452,16 +4583,32 @@
               <a:buChar char="🟠"/>
             </a:pPr>
             <a:r>
-              <a:rPr lang="en-ES" sz="2000" dirty="0"/>
+              <a:rPr lang="en-ES" dirty="0"/>
               <a:t>Train each decision tree </a:t>
             </a:r>
             <a:r>
-              <a:rPr lang="en-ES" sz="2000" b="1" dirty="0"/>
+              <a:rPr lang="en-ES" b="1" dirty="0"/>
               <a:t>bootstrapping</a:t>
             </a:r>
             <a:r>
-              <a:rPr lang="en-ES" sz="2000" dirty="0"/>
-              <a:t> from the data (bag method) and randomly selecting predictors.</a:t>
+              <a:rPr lang="en-ES" dirty="0"/>
+              <a:t> from the data (</a:t>
+            </a:r>
+            <a:r>
+              <a:rPr lang="en-ES" i="1" dirty="0"/>
+              <a:t>bag method</a:t>
+            </a:r>
+            <a:r>
+              <a:rPr lang="en-ES" dirty="0"/>
+              <a:t>) and randomly </a:t>
+            </a:r>
+            <a:r>
+              <a:rPr lang="en-ES" b="1" dirty="0"/>
+              <a:t>selecting predictors </a:t>
+            </a:r>
+            <a:r>
+              <a:rPr lang="en-ES" dirty="0"/>
+              <a:t>[8].</a:t>
             </a:r>
           </a:p>
           <a:p>
@@ -4471,28 +4618,64 @@
               <a:buChar char="🟠"/>
             </a:pPr>
             <a:r>
-              <a:rPr lang="en-ES" sz="2000" dirty="0"/>
+              <a:rPr lang="en-ES" dirty="0"/>
               <a:t>Use </a:t>
             </a:r>
             <a:r>
-              <a:rPr lang="en-ES" sz="2000" b="1" dirty="0"/>
+              <a:rPr lang="en-ES" b="1" dirty="0"/>
               <a:t>majority vote </a:t>
             </a:r>
             <a:r>
-              <a:rPr lang="en-ES" sz="2000" dirty="0"/>
-              <a:t>from each tree and average out the result. </a:t>
-            </a:r>
-          </a:p>
-          <a:p>
-            <a:pPr algn="just"/>
-            <a:endParaRPr lang="en-ES" sz="2000" dirty="0"/>
-          </a:p>
-          <a:p>
-            <a:pPr algn="just"/>
-            <a:r>
-              <a:rPr lang="en-ES" sz="2000" dirty="0"/>
-              <a:t>Differences between the models:</a:t>
-            </a:r>
+              <a:rPr lang="en-ES" dirty="0"/>
+              <a:t>from each tree and average out the results.</a:t>
+            </a:r>
+          </a:p>
+          <a:p>
+            <a:pPr algn="just">
+              <a:buSzPct val="50000"/>
+            </a:pPr>
+            <a:r>
+              <a:rPr lang="en-ES" dirty="0"/>
+              <a:t>Averaging out the results from each decision tree allow random forests to </a:t>
+            </a:r>
+            <a:r>
+              <a:rPr lang="en-ES" b="1" dirty="0"/>
+              <a:t>overcome</a:t>
+            </a:r>
+            <a:r>
+              <a:rPr lang="en-ES" dirty="0"/>
+              <a:t> most of decision tree’s cons. Adding more trees to the model not only implies </a:t>
+            </a:r>
+            <a:r>
+              <a:rPr lang="en-ES" b="1" dirty="0"/>
+              <a:t>getting rid of noise </a:t>
+            </a:r>
+            <a:r>
+              <a:rPr lang="en-ES" dirty="0"/>
+              <a:t>but it </a:t>
+            </a:r>
+            <a:r>
+              <a:rPr lang="en-ES" b="1" dirty="0"/>
+              <a:t>also increments the training times </a:t>
+            </a:r>
+            <a:r>
+              <a:rPr lang="en-ES" dirty="0"/>
+              <a:t>and make the model </a:t>
+            </a:r>
+            <a:r>
+              <a:rPr lang="en-ES" b="1" dirty="0"/>
+              <a:t>more difficult to understand </a:t>
+            </a:r>
+            <a:r>
+              <a:rPr lang="en-ES" dirty="0"/>
+              <a:t>[6]. See the following table for a summary: </a:t>
+            </a:r>
+          </a:p>
+          <a:p>
+            <a:pPr algn="just">
+              <a:buSzPct val="50000"/>
+            </a:pPr>
+            <a:endParaRPr lang="en-ES" dirty="0"/>
           </a:p>
         </p:txBody>
       </p:sp>
@@ -4511,14 +4694,14 @@
           <p:nvPr>
             <p:extLst>
               <p:ext uri="{D42A27DB-BD31-4B8C-83A1-F6EECF244321}">
-                <p14:modId xmlns:p14="http://schemas.microsoft.com/office/powerpoint/2010/main" val="1821749493"/>
+                <p14:modId xmlns:p14="http://schemas.microsoft.com/office/powerpoint/2010/main" val="2196837121"/>
               </p:ext>
             </p:extLst>
           </p:nvPr>
         </p:nvGraphicFramePr>
         <p:xfrm>
-          <a:off x="15518780" y="7032041"/>
-          <a:ext cx="5360627" cy="3930288"/>
+          <a:off x="15518780" y="7576144"/>
+          <a:ext cx="5360627" cy="3291840"/>
         </p:xfrm>
         <a:graphic>
           <a:graphicData uri="http://schemas.openxmlformats.org/drawingml/2006/table">
@@ -4549,14 +4732,14 @@
                   </a:extLst>
                 </a:gridCol>
               </a:tblGrid>
-              <a:tr h="482850">
+              <a:tr h="218174">
                 <a:tc>
                   <a:txBody>
                     <a:bodyPr/>
                     <a:lstStyle/>
                     <a:p>
                       <a:pPr algn="ctr"/>
-                      <a:endParaRPr lang="en-ES" sz="2000" dirty="0"/>
+                      <a:endParaRPr lang="en-ES" sz="1800" dirty="0"/>
                     </a:p>
                   </a:txBody>
                   <a:tcPr anchor="ctr">
@@ -4600,7 +4783,7 @@
                     <a:p>
                       <a:pPr algn="ctr"/>
                       <a:r>
-                        <a:rPr lang="en-ES" sz="2000" dirty="0"/>
+                        <a:rPr lang="en-ES" sz="1800" dirty="0"/>
                         <a:t>Decision tree</a:t>
                       </a:r>
                     </a:p>
@@ -4618,7 +4801,7 @@
                     <a:p>
                       <a:pPr algn="ctr"/>
                       <a:r>
-                        <a:rPr lang="en-ES" sz="2000" dirty="0"/>
+                        <a:rPr lang="en-ES" sz="1800" dirty="0"/>
                         <a:t>Random forest</a:t>
                       </a:r>
                     </a:p>
@@ -4631,7 +4814,7 @@
                   </a:ext>
                 </a:extLst>
               </a:tr>
-              <a:tr h="643278">
+              <a:tr h="290663">
                 <a:tc>
                   <a:txBody>
                     <a:bodyPr/>
@@ -4639,7 +4822,7 @@
                     <a:p>
                       <a:pPr algn="ctr"/>
                       <a:r>
-                        <a:rPr lang="en-ES" sz="2000" b="1" dirty="0">
+                        <a:rPr lang="en-ES" sz="1800" b="1" dirty="0">
                           <a:solidFill>
                             <a:schemeClr val="bg1"/>
                           </a:solidFill>
@@ -4679,7 +4862,7 @@
                     <a:p>
                       <a:pPr algn="ctr"/>
                       <a:r>
-                        <a:rPr lang="en-ES" sz="2000" dirty="0">
+                        <a:rPr lang="en-ES" sz="1800" dirty="0">
                           <a:solidFill>
                             <a:srgbClr val="00B050"/>
                           </a:solidFill>
@@ -4687,7 +4870,7 @@
                         <a:t>✓</a:t>
                       </a:r>
                       <a:r>
-                        <a:rPr lang="en-ES" sz="2000" dirty="0"/>
+                        <a:rPr lang="en-ES" sz="1800" dirty="0"/>
                         <a:t>Readable rules [6]</a:t>
                       </a:r>
                     </a:p>
@@ -4711,7 +4894,7 @@
                     <a:p>
                       <a:pPr algn="ctr"/>
                       <a:r>
-                        <a:rPr lang="en-ES" sz="2000" b="0" i="0" kern="1200" dirty="0">
+                        <a:rPr lang="en-ES" sz="1800" b="0" i="0" kern="1200" dirty="0">
                           <a:solidFill>
                             <a:srgbClr val="FF0000"/>
                           </a:solidFill>
@@ -4723,7 +4906,7 @@
                         <a:t>✗</a:t>
                       </a:r>
                       <a:r>
-                        <a:rPr lang="en-ES" sz="2000" dirty="0"/>
+                        <a:rPr lang="en-ES" sz="1800" dirty="0"/>
                         <a:t>Random rules</a:t>
                       </a:r>
                     </a:p>
@@ -4736,7 +4919,7 @@
                   </a:ext>
                 </a:extLst>
               </a:tr>
-              <a:tr h="643278">
+              <a:tr h="290663">
                 <a:tc>
                   <a:txBody>
                     <a:bodyPr/>
@@ -4744,7 +4927,7 @@
                     <a:p>
                       <a:pPr algn="ctr"/>
                       <a:r>
-                        <a:rPr lang="en-ES" sz="2000" b="1" dirty="0">
+                        <a:rPr lang="en-ES" sz="1800" b="1" dirty="0">
                           <a:solidFill>
                             <a:schemeClr val="bg1"/>
                           </a:solidFill>
@@ -4775,7 +4958,7 @@
                     <a:p>
                       <a:pPr algn="ctr"/>
                       <a:r>
-                        <a:rPr lang="en-ES" sz="2000" b="0" i="0" kern="1200" dirty="0">
+                        <a:rPr lang="en-ES" sz="1800" b="0" i="0" kern="1200" dirty="0">
                           <a:solidFill>
                             <a:srgbClr val="FF0000"/>
                           </a:solidFill>
@@ -4787,7 +4970,7 @@
                         <a:t>✗</a:t>
                       </a:r>
                       <a:r>
-                        <a:rPr lang="en-ES" sz="2000" b="0" i="0" kern="1200" dirty="0">
+                        <a:rPr lang="en-ES" sz="1800" b="0" i="0" kern="1200" dirty="0">
                           <a:solidFill>
                             <a:schemeClr val="tx1"/>
                           </a:solidFill>
@@ -4798,7 +4981,7 @@
                         </a:rPr>
                         <a:t>[7]</a:t>
                       </a:r>
-                      <a:endParaRPr lang="en-ES" sz="2000" dirty="0">
+                      <a:endParaRPr lang="en-ES" sz="1800" dirty="0">
                         <a:solidFill>
                           <a:schemeClr val="tx1"/>
                         </a:solidFill>
@@ -4824,7 +5007,7 @@
                     <a:p>
                       <a:pPr algn="ctr"/>
                       <a:r>
-                        <a:rPr lang="en-ES" sz="2000" dirty="0">
+                        <a:rPr lang="en-ES" sz="1800" dirty="0">
                           <a:solidFill>
                             <a:srgbClr val="00B050"/>
                           </a:solidFill>
@@ -4832,7 +5015,7 @@
                         <a:t>✓</a:t>
                       </a:r>
                       <a:r>
-                        <a:rPr lang="en-ES" sz="2000" dirty="0">
+                        <a:rPr lang="en-ES" sz="1800" dirty="0">
                           <a:solidFill>
                             <a:schemeClr val="tx1"/>
                           </a:solidFill>
@@ -4849,7 +5032,7 @@
                   </a:ext>
                 </a:extLst>
               </a:tr>
-              <a:tr h="643278">
+              <a:tr h="290663">
                 <a:tc>
                   <a:txBody>
                     <a:bodyPr/>
@@ -4857,7 +5040,7 @@
                     <a:p>
                       <a:pPr algn="ctr"/>
                       <a:r>
-                        <a:rPr lang="en-ES" sz="2000" b="1" dirty="0">
+                        <a:rPr lang="en-ES" sz="1800" b="1" dirty="0">
                           <a:solidFill>
                             <a:schemeClr val="bg1"/>
                           </a:solidFill>
@@ -4888,7 +5071,7 @@
                     <a:p>
                       <a:pPr algn="ctr"/>
                       <a:r>
-                        <a:rPr lang="en-ES" sz="2000" b="0" i="0" kern="1200" dirty="0">
+                        <a:rPr lang="en-ES" sz="1800" b="0" i="0" kern="1200" dirty="0">
                           <a:solidFill>
                             <a:srgbClr val="FF0000"/>
                           </a:solidFill>
@@ -4900,7 +5083,7 @@
                         <a:t>✗</a:t>
                       </a:r>
                       <a:r>
-                        <a:rPr lang="en-ES" sz="2000" b="0" i="0" kern="1200" dirty="0">
+                        <a:rPr lang="en-ES" sz="1800" b="0" i="0" kern="1200" dirty="0">
                           <a:solidFill>
                             <a:schemeClr val="tx1"/>
                           </a:solidFill>
@@ -4911,7 +5094,7 @@
                         </a:rPr>
                         <a:t>[7]</a:t>
                       </a:r>
-                      <a:endParaRPr lang="en-ES" sz="2000" dirty="0">
+                      <a:endParaRPr lang="en-ES" sz="1800" dirty="0">
                         <a:solidFill>
                           <a:schemeClr val="tx1"/>
                         </a:solidFill>
@@ -4953,7 +5136,7 @@
                         <a:defRPr/>
                       </a:pPr>
                       <a:r>
-                        <a:rPr lang="en-ES" sz="2000" dirty="0">
+                        <a:rPr lang="en-ES" sz="1800" dirty="0">
                           <a:solidFill>
                             <a:srgbClr val="00B050"/>
                           </a:solidFill>
@@ -4961,7 +5144,7 @@
                         <a:t>✓</a:t>
                       </a:r>
                       <a:r>
-                        <a:rPr lang="en-ES" sz="2000" b="0" i="0" kern="1200" dirty="0">
+                        <a:rPr lang="en-ES" sz="1800" b="0" i="0" kern="1200" dirty="0">
                           <a:solidFill>
                             <a:schemeClr val="tx1"/>
                           </a:solidFill>
@@ -4972,7 +5155,7 @@
                         </a:rPr>
                         <a:t>Results are averaged out</a:t>
                       </a:r>
-                      <a:endParaRPr lang="en-ES" sz="2000" dirty="0">
+                      <a:endParaRPr lang="en-ES" sz="1800" dirty="0">
                         <a:solidFill>
                           <a:schemeClr val="tx1"/>
                         </a:solidFill>
@@ -4987,7 +5170,7 @@
                   </a:ext>
                 </a:extLst>
               </a:tr>
-              <a:tr h="643278">
+              <a:tr h="290663">
                 <a:tc>
                   <a:txBody>
                     <a:bodyPr/>
@@ -4995,7 +5178,7 @@
                     <a:p>
                       <a:pPr algn="ctr"/>
                       <a:r>
-                        <a:rPr lang="en-ES" sz="2000" b="1" dirty="0">
+                        <a:rPr lang="en-ES" sz="1800" b="1" dirty="0">
                           <a:solidFill>
                             <a:schemeClr val="bg1"/>
                           </a:solidFill>
@@ -5026,7 +5209,7 @@
                     <a:p>
                       <a:pPr algn="ctr"/>
                       <a:r>
-                        <a:rPr lang="en-ES" sz="2000" dirty="0"/>
+                        <a:rPr lang="en-ES" sz="1800" dirty="0"/>
                         <a:t>Small data [8]</a:t>
                       </a:r>
                     </a:p>
@@ -5050,7 +5233,7 @@
                     <a:p>
                       <a:pPr algn="ctr"/>
                       <a:r>
-                        <a:rPr lang="en-ES" sz="2000" dirty="0"/>
+                        <a:rPr lang="en-ES" sz="1800" dirty="0"/>
                         <a:t>Large data</a:t>
                       </a:r>
                     </a:p>
@@ -5063,7 +5246,7 @@
                   </a:ext>
                 </a:extLst>
               </a:tr>
-              <a:tr h="643278">
+              <a:tr h="290663">
                 <a:tc>
                   <a:txBody>
                     <a:bodyPr/>
@@ -5071,7 +5254,7 @@
                     <a:p>
                       <a:pPr algn="ctr"/>
                       <a:r>
-                        <a:rPr lang="en-ES" sz="2000" b="1" dirty="0">
+                        <a:rPr lang="en-ES" sz="1800" b="1" dirty="0">
                           <a:solidFill>
                             <a:schemeClr val="bg1"/>
                           </a:solidFill>
@@ -5093,8 +5276,8 @@
                     <a:p>
                       <a:pPr algn="ctr"/>
                       <a:r>
-                        <a:rPr lang="en-ES" sz="2000" dirty="0"/>
-                        <a:t>Shorter</a:t>
+                        <a:rPr lang="en-ES" sz="1800" dirty="0"/>
+                        <a:t>Shorter [9]</a:t>
                       </a:r>
                     </a:p>
                   </a:txBody>
@@ -5107,7 +5290,7 @@
                     <a:p>
                       <a:pPr algn="ctr"/>
                       <a:r>
-                        <a:rPr lang="en-ES" sz="2000" dirty="0"/>
+                        <a:rPr lang="en-ES" sz="1800" dirty="0"/>
                         <a:t>Longer</a:t>
                       </a:r>
                     </a:p>
@@ -5138,8 +5321,8 @@
         </p:nvSpPr>
         <p:spPr>
           <a:xfrm>
-            <a:off x="304798" y="12214831"/>
-            <a:ext cx="6362349" cy="3687778"/>
+            <a:off x="304798" y="11838316"/>
+            <a:ext cx="6362349" cy="3760272"/>
           </a:xfrm>
           <a:prstGeom prst="rect">
             <a:avLst/>
@@ -5165,7 +5348,7 @@
           </a:fontRef>
         </p:style>
         <p:txBody>
-          <a:bodyPr vert="horz" lIns="180000" tIns="180000" rIns="360000" bIns="0" rtlCol="0" anchor="t" anchorCtr="0"/>
+          <a:bodyPr vert="horz" lIns="180000" tIns="180000" rIns="360000" bIns="0" rtlCol="0" anchor="ctr" anchorCtr="0"/>
           <a:lstStyle/>
           <a:p>
             <a:pPr marL="457200" indent="-457200" algn="just">
@@ -5174,23 +5357,23 @@
               <a:buChar char="🟢"/>
             </a:pPr>
             <a:r>
-              <a:rPr lang="en-ES" sz="2000" dirty="0"/>
+              <a:rPr lang="en-ES" dirty="0"/>
               <a:t>The original paper [1] concluded that the </a:t>
             </a:r>
             <a:r>
-              <a:rPr lang="en-ES" sz="2000" b="1" dirty="0"/>
+              <a:rPr lang="en-ES" b="1" dirty="0"/>
               <a:t>decision tree</a:t>
             </a:r>
             <a:r>
-              <a:rPr lang="en-ES" sz="2000" dirty="0"/>
+              <a:rPr lang="en-ES" dirty="0"/>
               <a:t> was the </a:t>
             </a:r>
             <a:r>
-              <a:rPr lang="en-ES" sz="2000" b="1" dirty="0"/>
+              <a:rPr lang="en-ES" b="1" dirty="0"/>
               <a:t>best method </a:t>
             </a:r>
             <a:r>
-              <a:rPr lang="en-ES" sz="2000" dirty="0"/>
+              <a:rPr lang="en-ES" dirty="0"/>
               <a:t>for classifying cannabis users for a decade basis user definition. </a:t>
             </a:r>
           </a:p>
@@ -5201,8 +5384,8 @@
               <a:buChar char="🟢"/>
             </a:pPr>
             <a:r>
-              <a:rPr lang="en-ES" sz="2000" dirty="0"/>
-              <a:t>Similar behaviour expected for the yearly basis definition used in this project. </a:t>
+              <a:rPr lang="en-ES" dirty="0"/>
+              <a:t>Similar behaviour expected for the yearly basis definition of user used in this project. </a:t>
             </a:r>
           </a:p>
           <a:p>
@@ -5212,19 +5395,19 @@
               <a:buChar char="🟢"/>
             </a:pPr>
             <a:r>
-              <a:rPr lang="en-ES" sz="2000" b="1" dirty="0"/>
+              <a:rPr lang="en-ES" b="1" dirty="0"/>
               <a:t>Random forest </a:t>
             </a:r>
             <a:r>
-              <a:rPr lang="en-ES" sz="2000" dirty="0"/>
+              <a:rPr lang="en-ES" dirty="0"/>
               <a:t>should take </a:t>
             </a:r>
             <a:r>
-              <a:rPr lang="en-ES" sz="2000" b="1" dirty="0"/>
+              <a:rPr lang="en-ES" b="1" dirty="0"/>
               <a:t>longer</a:t>
             </a:r>
             <a:r>
-              <a:rPr lang="en-ES" sz="2000" dirty="0"/>
+              <a:rPr lang="en-ES" dirty="0"/>
               <a:t> time to train than decision trees. </a:t>
             </a:r>
           </a:p>
@@ -5235,52 +5418,79 @@
               <a:buChar char="🟢"/>
             </a:pPr>
             <a:r>
-              <a:rPr lang="en-ES" sz="2000" b="1" dirty="0"/>
+              <a:rPr lang="en-ES" b="1" dirty="0"/>
               <a:t>Openness</a:t>
             </a:r>
             <a:r>
-              <a:rPr lang="en-ES" sz="2000" dirty="0"/>
+              <a:rPr lang="en-ES" dirty="0"/>
               <a:t> to Experience, </a:t>
             </a:r>
             <a:r>
-              <a:rPr lang="en-ES" sz="2000" b="1" dirty="0"/>
+              <a:rPr lang="en-ES" b="1" dirty="0"/>
               <a:t>Conscientiousne</a:t>
             </a:r>
             <a:r>
-              <a:rPr lang="en-ES" sz="2000" dirty="0"/>
+              <a:rPr lang="en-ES" dirty="0"/>
               <a:t>ss, </a:t>
             </a:r>
             <a:r>
-              <a:rPr lang="en-ES" sz="2000" b="1" dirty="0"/>
+              <a:rPr lang="en-ES" b="1" dirty="0"/>
               <a:t>Impulsiveness</a:t>
             </a:r>
             <a:r>
-              <a:rPr lang="en-ES" sz="2000" dirty="0"/>
+              <a:rPr lang="en-ES" dirty="0"/>
               <a:t> and </a:t>
             </a:r>
             <a:r>
-              <a:rPr lang="en-ES" sz="2000" b="1" dirty="0"/>
+              <a:rPr lang="en-ES" b="1" dirty="0"/>
               <a:t>Sensation Seeking </a:t>
             </a:r>
             <a:r>
-              <a:rPr lang="en-ES" sz="2000" dirty="0"/>
+              <a:rPr lang="en-ES" dirty="0"/>
               <a:t>should have a </a:t>
             </a:r>
             <a:r>
-              <a:rPr lang="en-ES" sz="2000" b="1" dirty="0"/>
+              <a:rPr lang="en-ES" b="1" dirty="0"/>
               <a:t>higher impact </a:t>
             </a:r>
             <a:r>
-              <a:rPr lang="en-ES" sz="2000" dirty="0"/>
+              <a:rPr lang="en-ES" dirty="0"/>
               <a:t>in the model due to their </a:t>
             </a:r>
             <a:r>
-              <a:rPr lang="en-ES" sz="2000" b="1" dirty="0"/>
+              <a:rPr lang="en-ES" b="1" dirty="0"/>
               <a:t>correlation</a:t>
             </a:r>
             <a:r>
-              <a:rPr lang="en-ES" sz="2000" dirty="0"/>
+              <a:rPr lang="en-ES" dirty="0"/>
               <a:t> values with cannabis consumption.</a:t>
+            </a:r>
+          </a:p>
+          <a:p>
+            <a:pPr marL="457200" indent="-457200" algn="just">
+              <a:buSzPct val="75000"/>
+              <a:buFont typeface=".Apple Color Emoji UI"/>
+              <a:buChar char="🟢"/>
+            </a:pPr>
+            <a:r>
+              <a:rPr lang="en-ES" dirty="0"/>
+              <a:t>The </a:t>
+            </a:r>
+            <a:r>
+              <a:rPr lang="en-ES" b="1" dirty="0"/>
+              <a:t>biased model </a:t>
+            </a:r>
+            <a:r>
+              <a:rPr lang="en-ES" dirty="0"/>
+              <a:t>should </a:t>
+            </a:r>
+            <a:r>
+              <a:rPr lang="en-ES" b="1" dirty="0"/>
+              <a:t>generalize worse </a:t>
+            </a:r>
+            <a:r>
+              <a:rPr lang="en-ES" dirty="0"/>
+              <a:t>the results (see Methodology). </a:t>
             </a:r>
           </a:p>
         </p:txBody>
@@ -5300,13 +5510,13 @@
           <p:nvPr>
             <p:extLst>
               <p:ext uri="{D42A27DB-BD31-4B8C-83A1-F6EECF244321}">
-                <p14:modId xmlns:p14="http://schemas.microsoft.com/office/powerpoint/2010/main" val="1207901483"/>
+                <p14:modId xmlns:p14="http://schemas.microsoft.com/office/powerpoint/2010/main" val="2401488736"/>
               </p:ext>
             </p:extLst>
           </p:nvPr>
         </p:nvGraphicFramePr>
         <p:xfrm>
-          <a:off x="15518781" y="15064656"/>
+          <a:off x="15518781" y="14365419"/>
           <a:ext cx="5360626" cy="3078480"/>
         </p:xfrm>
         <a:graphic>
@@ -6226,8 +6436,8 @@
         </p:nvSpPr>
         <p:spPr>
           <a:xfrm>
-            <a:off x="283239" y="11586096"/>
-            <a:ext cx="6362350" cy="438736"/>
+            <a:off x="283239" y="11370945"/>
+            <a:ext cx="6362350" cy="370663"/>
           </a:xfrm>
           <a:prstGeom prst="roundRect">
             <a:avLst>
@@ -6263,7 +6473,7 @@
           <a:p>
             <a:pPr algn="ctr"/>
             <a:r>
-              <a:rPr lang="en-ES" sz="3200" b="1" dirty="0">
+              <a:rPr lang="en-ES" sz="2800" b="1" dirty="0">
                 <a:solidFill>
                   <a:schemeClr val="tx1">
                     <a:lumMod val="85000"/>
@@ -6291,7 +6501,7 @@
           <p:nvPr/>
         </p:nvPicPr>
         <p:blipFill>
-          <a:blip r:embed="rId4">
+          <a:blip r:embed="rId6">
             <a:alphaModFix/>
           </a:blip>
           <a:stretch>
@@ -6322,8 +6532,8 @@
         </p:nvSpPr>
         <p:spPr>
           <a:xfrm>
-            <a:off x="6924778" y="11582596"/>
-            <a:ext cx="8152661" cy="442236"/>
+            <a:off x="6924778" y="11367445"/>
+            <a:ext cx="8152661" cy="374163"/>
           </a:xfrm>
           <a:prstGeom prst="roundRect">
             <a:avLst>
@@ -6359,7 +6569,7 @@
           <a:p>
             <a:pPr algn="ctr"/>
             <a:r>
-              <a:rPr lang="en-ES" sz="3200" b="1" dirty="0">
+              <a:rPr lang="en-ES" sz="2800" b="1" dirty="0">
                 <a:solidFill>
                   <a:schemeClr val="tx1">
                     <a:lumMod val="85000"/>
@@ -6386,8 +6596,8 @@
         </p:nvSpPr>
         <p:spPr>
           <a:xfrm>
-            <a:off x="6924781" y="12214833"/>
-            <a:ext cx="8152658" cy="6074436"/>
+            <a:off x="6924781" y="11838320"/>
+            <a:ext cx="8152658" cy="5769424"/>
           </a:xfrm>
           <a:prstGeom prst="rect">
             <a:avLst/>
@@ -6418,31 +6628,31 @@
           <a:p>
             <a:pPr algn="just"/>
             <a:r>
-              <a:rPr lang="en-ES" sz="2000" dirty="0"/>
+              <a:rPr lang="en-ES" dirty="0"/>
               <a:t>Due to the </a:t>
             </a:r>
             <a:r>
-              <a:rPr lang="en-ES" sz="2000" b="1" dirty="0"/>
+              <a:rPr lang="en-ES" b="1" dirty="0"/>
               <a:t>imablance of the data</a:t>
             </a:r>
             <a:r>
-              <a:rPr lang="en-ES" sz="2000" dirty="0"/>
+              <a:rPr lang="en-ES" dirty="0"/>
               <a:t> with Country and Ethnicity predictors (see figure A) 4 models will be trained: one </a:t>
             </a:r>
             <a:r>
-              <a:rPr lang="en-ES" sz="2000" b="1" dirty="0"/>
+              <a:rPr lang="en-ES" b="1" dirty="0"/>
               <a:t>decision tree </a:t>
             </a:r>
             <a:r>
-              <a:rPr lang="en-ES" sz="2000" dirty="0"/>
+              <a:rPr lang="en-ES" dirty="0"/>
               <a:t>and one </a:t>
             </a:r>
             <a:r>
-              <a:rPr lang="en-ES" sz="2000" b="1" dirty="0"/>
+              <a:rPr lang="en-ES" b="1" dirty="0"/>
               <a:t>random forest </a:t>
             </a:r>
             <a:r>
-              <a:rPr lang="en-ES" sz="2000" dirty="0"/>
+              <a:rPr lang="en-ES" dirty="0"/>
               <a:t>per one of the following cases:</a:t>
             </a:r>
           </a:p>
@@ -6456,12 +6666,12 @@
               <a:buChar char="❶"/>
             </a:pPr>
             <a:r>
-              <a:rPr lang="en-ES" sz="2000" b="1" dirty="0"/>
+              <a:rPr lang="en-ES" b="1" dirty="0"/>
               <a:t>All variables </a:t>
             </a:r>
             <a:r>
-              <a:rPr lang="en-ES" sz="2000" dirty="0"/>
-              <a:t>included.</a:t>
+              <a:rPr lang="en-ES" dirty="0"/>
+              <a:t>included. Data imbalance or bias are not considered,</a:t>
             </a:r>
           </a:p>
           <a:p>
@@ -6474,20 +6684,20 @@
               <a:buChar char="❷"/>
             </a:pPr>
             <a:r>
-              <a:rPr lang="en-ES" sz="2000" b="1" dirty="0"/>
+              <a:rPr lang="en-ES" b="1" dirty="0"/>
               <a:t>Country</a:t>
             </a:r>
             <a:r>
-              <a:rPr lang="en-ES" sz="2000" dirty="0"/>
+              <a:rPr lang="en-ES" dirty="0"/>
               <a:t> and </a:t>
             </a:r>
             <a:r>
-              <a:rPr lang="en-ES" sz="2000" b="1" dirty="0"/>
+              <a:rPr lang="en-ES" b="1" dirty="0"/>
               <a:t>Ethnicity removed</a:t>
             </a:r>
             <a:r>
-              <a:rPr lang="en-ES" sz="2000" dirty="0"/>
-              <a:t>.</a:t>
+              <a:rPr lang="en-ES" dirty="0"/>
+              <a:t>. Considering data imbalance and bias.</a:t>
             </a:r>
           </a:p>
           <a:p>
@@ -6498,18 +6708,18 @@
               <a:buSzPct val="110000"/>
             </a:pPr>
             <a:r>
-              <a:rPr lang="en-ES" sz="2000" dirty="0"/>
+              <a:rPr lang="en-ES" dirty="0"/>
               <a:t>This will allow us to compared how data imbalance affect the model. </a:t>
             </a:r>
           </a:p>
           <a:p>
             <a:pPr algn="just"/>
-            <a:endParaRPr lang="en-ES" sz="2000" dirty="0"/>
+            <a:endParaRPr lang="en-ES" dirty="0"/>
           </a:p>
           <a:p>
             <a:pPr algn="just"/>
             <a:r>
-              <a:rPr lang="en-ES" sz="2000" dirty="0"/>
+              <a:rPr lang="en-ES" dirty="0"/>
               <a:t>The approach will be the same in the four models:</a:t>
             </a:r>
           </a:p>
@@ -6520,28 +6730,36 @@
               <a:buChar char="🟢"/>
             </a:pPr>
             <a:r>
-              <a:rPr lang="en-ES" sz="2000" b="1" dirty="0"/>
+              <a:rPr lang="en-ES" b="1" dirty="0"/>
               <a:t>Split</a:t>
             </a:r>
             <a:r>
-              <a:rPr lang="en-ES" sz="2000" dirty="0"/>
+              <a:rPr lang="en-ES" dirty="0"/>
               <a:t> the data in a training (</a:t>
             </a:r>
             <a:r>
-              <a:rPr lang="en-ES" sz="2000" i="1" dirty="0"/>
+              <a:rPr lang="en-ES" i="1" dirty="0"/>
               <a:t>80%</a:t>
             </a:r>
             <a:r>
-              <a:rPr lang="en-ES" sz="2000" dirty="0"/>
+              <a:rPr lang="en-ES" dirty="0"/>
               <a:t>) and test set (</a:t>
             </a:r>
             <a:r>
-              <a:rPr lang="en-ES" sz="2000" i="1" dirty="0"/>
+              <a:rPr lang="en-ES" i="1" dirty="0"/>
               <a:t>20%</a:t>
             </a:r>
             <a:r>
-              <a:rPr lang="en-ES" sz="2000" dirty="0"/>
-              <a:t>).</a:t>
+              <a:rPr lang="en-ES" dirty="0"/>
+              <a:t>) </a:t>
+            </a:r>
+            <a:r>
+              <a:rPr lang="en-ES" b="1" dirty="0"/>
+              <a:t>at random</a:t>
+            </a:r>
+            <a:r>
+              <a:rPr lang="en-ES" dirty="0"/>
+              <a:t>.</a:t>
             </a:r>
           </a:p>
           <a:p>
@@ -6551,31 +6769,31 @@
               <a:buChar char="🟢"/>
             </a:pPr>
             <a:r>
-              <a:rPr lang="en-ES" sz="2000" dirty="0"/>
+              <a:rPr lang="en-ES" dirty="0"/>
               <a:t>Perform </a:t>
             </a:r>
             <a:r>
-              <a:rPr lang="en-ES" sz="2000" b="1" dirty="0"/>
+              <a:rPr lang="en-ES" b="1" dirty="0"/>
               <a:t>bayesian optimization </a:t>
             </a:r>
             <a:r>
-              <a:rPr lang="en-ES" sz="2000" dirty="0"/>
+              <a:rPr lang="en-ES" dirty="0"/>
               <a:t>aiming to </a:t>
             </a:r>
             <a:r>
-              <a:rPr lang="en-ES" sz="2000" b="1" dirty="0"/>
+              <a:rPr lang="en-ES" b="1" dirty="0"/>
               <a:t>maximize</a:t>
             </a:r>
             <a:r>
-              <a:rPr lang="en-ES" sz="2000" dirty="0"/>
+              <a:rPr lang="en-ES" dirty="0"/>
               <a:t> the </a:t>
             </a:r>
             <a:r>
-              <a:rPr lang="en-ES" sz="2000" b="1" dirty="0"/>
+              <a:rPr lang="en-ES" b="1" dirty="0"/>
               <a:t>AUC </a:t>
             </a:r>
             <a:r>
-              <a:rPr lang="en-ES" sz="2000" dirty="0"/>
+              <a:rPr lang="en-ES" dirty="0"/>
               <a:t>with:</a:t>
             </a:r>
           </a:p>
@@ -6586,25 +6804,30 @@
               <a:buChar char="🟠"/>
             </a:pPr>
             <a:r>
-              <a:rPr lang="en-ES" sz="2000" b="1" dirty="0"/>
+              <a:rPr lang="en-ES" b="1" dirty="0"/>
               <a:t>Parent size </a:t>
             </a:r>
             <a:r>
-              <a:rPr lang="en-ES" sz="2000" dirty="0"/>
+              <a:rPr lang="en-ES" dirty="0"/>
               <a:t>and </a:t>
             </a:r>
             <a:r>
-              <a:rPr lang="en-ES" sz="2000" b="1" dirty="0"/>
+              <a:rPr lang="en-ES" b="1" dirty="0"/>
               <a:t>leaf size</a:t>
             </a:r>
             <a:r>
-              <a:rPr lang="en-ES" sz="2000" dirty="0"/>
+              <a:rPr lang="en-ES" dirty="0"/>
               <a:t> for </a:t>
             </a:r>
             <a:r>
-              <a:rPr lang="en-ES" sz="2000" i="1" dirty="0"/>
-              <a:t>decision trees.</a:t>
-            </a:r>
+              <a:rPr lang="en-ES" i="1" dirty="0"/>
+              <a:t>decision trees</a:t>
+            </a:r>
+            <a:r>
+              <a:rPr lang="en-ES" dirty="0"/>
+              <a:t> to control the deph of them and prevent overfitting. </a:t>
+            </a:r>
+            <a:endParaRPr lang="en-ES" i="1" dirty="0"/>
           </a:p>
           <a:p>
             <a:pPr marL="800100" lvl="1" indent="-342900" algn="just">
@@ -6613,35 +6836,35 @@
               <a:buChar char="🟠"/>
             </a:pPr>
             <a:r>
-              <a:rPr lang="en-ES" sz="2000" b="1" dirty="0"/>
+              <a:rPr lang="en-ES" b="1" dirty="0"/>
               <a:t>Leaf size</a:t>
             </a:r>
             <a:r>
-              <a:rPr lang="en-ES" sz="2000" dirty="0"/>
+              <a:rPr lang="en-ES" dirty="0"/>
               <a:t>, </a:t>
             </a:r>
             <a:r>
-              <a:rPr lang="en-ES" sz="2000" b="1" dirty="0"/>
+              <a:rPr lang="en-ES" b="1" dirty="0"/>
               <a:t>number of predictors </a:t>
             </a:r>
             <a:r>
-              <a:rPr lang="en-ES" sz="2000" dirty="0"/>
+              <a:rPr lang="en-ES" dirty="0"/>
               <a:t>and </a:t>
             </a:r>
             <a:r>
-              <a:rPr lang="en-ES" sz="2000" b="1" dirty="0"/>
+              <a:rPr lang="en-ES" b="1" dirty="0"/>
               <a:t>number of trees </a:t>
             </a:r>
             <a:r>
-              <a:rPr lang="en-ES" sz="2000" dirty="0"/>
+              <a:rPr lang="en-ES" dirty="0"/>
               <a:t>for </a:t>
             </a:r>
             <a:r>
-              <a:rPr lang="en-ES" sz="2000" i="1" dirty="0"/>
+              <a:rPr lang="en-ES" i="1" dirty="0"/>
               <a:t>random forest</a:t>
             </a:r>
             <a:r>
-              <a:rPr lang="en-ES" sz="2000" dirty="0"/>
+              <a:rPr lang="en-ES" dirty="0"/>
               <a:t>.</a:t>
             </a:r>
           </a:p>
@@ -6652,16 +6875,16 @@
               <a:buChar char="🟠"/>
             </a:pPr>
             <a:r>
-              <a:rPr lang="en-ES" sz="2000" dirty="0"/>
+              <a:rPr lang="en-ES" dirty="0"/>
               <a:t>Run 25 times and used </a:t>
             </a:r>
             <a:r>
-              <a:rPr lang="en-ES" sz="2000" b="1" dirty="0"/>
+              <a:rPr lang="en-ES" b="1" dirty="0"/>
               <a:t>the median </a:t>
             </a:r>
             <a:r>
-              <a:rPr lang="en-ES" sz="2000" dirty="0"/>
-              <a:t>as the optimal parameter.</a:t>
+              <a:rPr lang="en-ES" dirty="0"/>
+              <a:t>as the optimal parameter due to the randomness of the process [5].</a:t>
             </a:r>
           </a:p>
           <a:p>
@@ -6671,23 +6894,23 @@
               <a:buChar char="🟢"/>
             </a:pPr>
             <a:r>
-              <a:rPr lang="en-ES" sz="2000" dirty="0"/>
+              <a:rPr lang="en-ES" dirty="0"/>
               <a:t>Evaluate the models using </a:t>
             </a:r>
             <a:r>
-              <a:rPr lang="en-ES" sz="2000" b="1" dirty="0"/>
+              <a:rPr lang="en-ES" b="1" dirty="0"/>
               <a:t>10-fold cross validation </a:t>
             </a:r>
             <a:r>
-              <a:rPr lang="en-ES" sz="2000" dirty="0"/>
+              <a:rPr lang="en-ES" dirty="0"/>
               <a:t>and </a:t>
             </a:r>
             <a:r>
-              <a:rPr lang="en-ES" sz="2000" b="1" dirty="0"/>
+              <a:rPr lang="en-ES" b="1" dirty="0"/>
               <a:t>bootstrap validation </a:t>
             </a:r>
             <a:r>
-              <a:rPr lang="en-ES" sz="2000" dirty="0"/>
+              <a:rPr lang="en-ES" dirty="0"/>
               <a:t>(10 bootstraps for decision trees and out of bag prediction for random forests).</a:t>
             </a:r>
           </a:p>
@@ -6698,27 +6921,27 @@
               <a:buChar char="🟢"/>
             </a:pPr>
             <a:r>
-              <a:rPr lang="en-ES" sz="2000" b="1" dirty="0"/>
+              <a:rPr lang="en-ES" b="1" dirty="0"/>
               <a:t>Train</a:t>
             </a:r>
             <a:r>
-              <a:rPr lang="en-ES" sz="2000" dirty="0"/>
+              <a:rPr lang="en-ES" dirty="0"/>
               <a:t> the model with the </a:t>
             </a:r>
             <a:r>
-              <a:rPr lang="en-ES" sz="2000" i="1" dirty="0"/>
+              <a:rPr lang="en-ES" i="1" dirty="0"/>
               <a:t>training set </a:t>
             </a:r>
             <a:r>
-              <a:rPr lang="en-ES" sz="2000" dirty="0"/>
+              <a:rPr lang="en-ES" dirty="0"/>
               <a:t>and its </a:t>
             </a:r>
             <a:r>
-              <a:rPr lang="en-ES" sz="2000" i="1" dirty="0"/>
+              <a:rPr lang="en-ES" i="1" dirty="0"/>
               <a:t>optimal parameters</a:t>
             </a:r>
             <a:r>
-              <a:rPr lang="en-ES" sz="2000" dirty="0"/>
+              <a:rPr lang="en-ES" dirty="0"/>
               <a:t>.</a:t>
             </a:r>
           </a:p>
@@ -6729,27 +6952,27 @@
               <a:buChar char="🟢"/>
             </a:pPr>
             <a:r>
-              <a:rPr lang="en-ES" sz="2000" b="1" dirty="0"/>
+              <a:rPr lang="en-ES" b="1" dirty="0"/>
               <a:t>Predict</a:t>
             </a:r>
             <a:r>
-              <a:rPr lang="en-ES" sz="2000" dirty="0"/>
+              <a:rPr lang="en-ES" dirty="0"/>
               <a:t> with the </a:t>
             </a:r>
             <a:r>
-              <a:rPr lang="en-ES" sz="2000" i="1" dirty="0"/>
+              <a:rPr lang="en-ES" i="1" dirty="0"/>
               <a:t>test set</a:t>
             </a:r>
             <a:r>
-              <a:rPr lang="en-ES" sz="2000" dirty="0"/>
+              <a:rPr lang="en-ES" dirty="0"/>
               <a:t> </a:t>
             </a:r>
             <a:r>
-              <a:rPr lang="en-ES" sz="2000" b="1" dirty="0"/>
+              <a:rPr lang="en-ES" b="1" dirty="0"/>
               <a:t>and compare </a:t>
             </a:r>
             <a:r>
-              <a:rPr lang="en-ES" sz="2000" dirty="0"/>
+              <a:rPr lang="en-ES" dirty="0"/>
               <a:t>the results.</a:t>
             </a:r>
           </a:p>
@@ -6769,8 +6992,8 @@
         </p:nvSpPr>
         <p:spPr>
           <a:xfrm>
-            <a:off x="15319361" y="11582596"/>
-            <a:ext cx="5759466" cy="442236"/>
+            <a:off x="15319361" y="11367445"/>
+            <a:ext cx="5759466" cy="374163"/>
           </a:xfrm>
           <a:prstGeom prst="roundRect">
             <a:avLst>
@@ -6806,7 +7029,7 @@
           <a:p>
             <a:pPr algn="ctr"/>
             <a:r>
-              <a:rPr lang="en-ES" sz="3200" b="1" dirty="0">
+              <a:rPr lang="en-ES" sz="2800" b="1" dirty="0">
                 <a:solidFill>
                   <a:schemeClr val="tx1">
                     <a:lumMod val="85000"/>
@@ -6833,8 +7056,8 @@
         </p:nvSpPr>
         <p:spPr>
           <a:xfrm>
-            <a:off x="283239" y="16339494"/>
-            <a:ext cx="6362350" cy="438736"/>
+            <a:off x="283239" y="15837479"/>
+            <a:ext cx="6362350" cy="370663"/>
           </a:xfrm>
           <a:prstGeom prst="roundRect">
             <a:avLst>
@@ -6870,7 +7093,7 @@
           <a:p>
             <a:pPr algn="ctr"/>
             <a:r>
-              <a:rPr lang="en-ES" sz="3200" b="1" dirty="0">
+              <a:rPr lang="en-ES" sz="2800" b="1" dirty="0">
                 <a:solidFill>
                   <a:schemeClr val="tx1">
                     <a:lumMod val="85000"/>
@@ -6897,8 +7120,8 @@
         </p:nvSpPr>
         <p:spPr>
           <a:xfrm>
-            <a:off x="283239" y="16982803"/>
-            <a:ext cx="6362349" cy="13158720"/>
+            <a:off x="283239" y="16319426"/>
+            <a:ext cx="6362349" cy="13822097"/>
           </a:xfrm>
           <a:prstGeom prst="rect">
             <a:avLst/>
@@ -6924,7 +7147,7 @@
           </a:fontRef>
         </p:style>
         <p:txBody>
-          <a:bodyPr vert="horz" lIns="180000" tIns="180000" rIns="360000" bIns="0" numCol="1" rtlCol="0" anchor="t" anchorCtr="0"/>
+          <a:bodyPr vert="horz" lIns="180000" tIns="72000" rIns="360000" bIns="0" numCol="1" rtlCol="0" anchor="t" anchorCtr="0"/>
           <a:lstStyle/>
           <a:p>
             <a:pPr marL="342900" indent="-342900" algn="just">
@@ -6932,7 +7155,7 @@
               <a:buChar char="🟢"/>
             </a:pPr>
             <a:r>
-              <a:rPr lang="en-ES" sz="2000" b="1" dirty="0"/>
+              <a:rPr lang="en-ES" b="1" dirty="0"/>
               <a:t>MODEL PERFORMANCE:</a:t>
             </a:r>
           </a:p>
@@ -6943,11 +7166,11 @@
               <a:buChar char="🟠"/>
             </a:pPr>
             <a:r>
-              <a:rPr lang="en-ES" sz="2000" b="1" dirty="0"/>
+              <a:rPr lang="en-ES" b="1" dirty="0"/>
               <a:t>Random forests performed better </a:t>
             </a:r>
             <a:r>
-              <a:rPr lang="en-ES" sz="2000" dirty="0"/>
+              <a:rPr lang="en-ES" dirty="0"/>
               <a:t>than decision trees in all of the models.</a:t>
             </a:r>
           </a:p>
@@ -6958,24 +7181,40 @@
               <a:buChar char="🟠"/>
             </a:pPr>
             <a:r>
-              <a:rPr lang="en-ES" sz="2000" dirty="0"/>
-              <a:t>The AUC obtained for decision trees is sometimes inside the error range, suggesting the </a:t>
-            </a:r>
-            <a:r>
-              <a:rPr lang="en-ES" sz="2000" b="1" dirty="0"/>
+              <a:rPr lang="en-ES" dirty="0"/>
+              <a:t>The AUC obtained for decision trees is sometimes inside the error range of the AUC obtained for random forests, suggesting the </a:t>
+            </a:r>
+            <a:r>
+              <a:rPr lang="en-ES" b="1" dirty="0"/>
               <a:t>decision trees may outperform random forests </a:t>
             </a:r>
             <a:r>
-              <a:rPr lang="en-ES" sz="2000" dirty="0"/>
-              <a:t>in some cases as shown by </a:t>
-            </a:r>
-            <a:r>
-              <a:rPr lang="en-GB" sz="2000" dirty="0" err="1"/>
-              <a:t>Fehrman</a:t>
-            </a:r>
-            <a:r>
-              <a:rPr lang="en-GB" sz="2000" dirty="0"/>
-              <a:t> E., et al. (2017) [1]. </a:t>
+              <a:rPr lang="en-ES" dirty="0"/>
+              <a:t>in some cases as shown </a:t>
+            </a:r>
+            <a:r>
+              <a:rPr lang="es-ES" dirty="0"/>
+              <a:t>in </a:t>
+            </a:r>
+            <a:r>
+              <a:rPr lang="es-ES" dirty="0" err="1"/>
+              <a:t>the</a:t>
+            </a:r>
+            <a:r>
+              <a:rPr lang="es-ES" dirty="0"/>
+              <a:t> original </a:t>
+            </a:r>
+            <a:r>
+              <a:rPr lang="es-ES" dirty="0" err="1"/>
+              <a:t>paper</a:t>
+            </a:r>
+            <a:r>
+              <a:rPr lang="es-ES" dirty="0"/>
+              <a:t> </a:t>
+            </a:r>
+            <a:r>
+              <a:rPr lang="en-GB" dirty="0"/>
+              <a:t>[1]. </a:t>
             </a:r>
           </a:p>
           <a:p>
@@ -6984,7 +7223,7 @@
               <a:buChar char="🟢"/>
             </a:pPr>
             <a:r>
-              <a:rPr lang="en-GB" sz="2000" b="1" dirty="0"/>
+              <a:rPr lang="en-GB" b="1" dirty="0"/>
               <a:t>VALIDATION RESULTS:</a:t>
             </a:r>
           </a:p>
@@ -6995,19 +7234,19 @@
               <a:buChar char="🟠"/>
             </a:pPr>
             <a:r>
-              <a:rPr lang="en-GB" sz="2000" b="1" dirty="0"/>
+              <a:rPr lang="en-GB" b="1" dirty="0"/>
               <a:t>Out of bag validation </a:t>
             </a:r>
             <a:r>
-              <a:rPr lang="en-GB" sz="2000" dirty="0"/>
+              <a:rPr lang="en-GB" dirty="0"/>
               <a:t>is </a:t>
             </a:r>
             <a:r>
-              <a:rPr lang="en-GB" sz="2000" b="1" dirty="0"/>
+              <a:rPr lang="en-GB" b="1" dirty="0"/>
               <a:t>consistent</a:t>
             </a:r>
             <a:r>
-              <a:rPr lang="en-GB" sz="2000" dirty="0"/>
+              <a:rPr lang="en-GB" dirty="0"/>
               <a:t> with cross validation in random forests. </a:t>
             </a:r>
           </a:p>
@@ -7018,20 +7257,20 @@
               <a:buChar char="🟠"/>
             </a:pPr>
             <a:r>
-              <a:rPr lang="en-GB" sz="2000" b="1" dirty="0"/>
+              <a:rPr lang="en-GB" b="1" dirty="0"/>
               <a:t>Bootstrap validation </a:t>
             </a:r>
             <a:r>
-              <a:rPr lang="en-GB" sz="2000" dirty="0"/>
+              <a:rPr lang="en-GB" dirty="0"/>
               <a:t>tends to </a:t>
             </a:r>
             <a:r>
-              <a:rPr lang="en-GB" sz="2000" b="1" dirty="0"/>
+              <a:rPr lang="en-GB" b="1" dirty="0"/>
               <a:t>underestimate</a:t>
             </a:r>
             <a:r>
-              <a:rPr lang="en-GB" sz="2000" dirty="0"/>
-              <a:t> the AUC value. Bootstrap validation has been studied as low variance but higher bias validation method [8].</a:t>
+              <a:rPr lang="en-GB" dirty="0"/>
+              <a:t> the AUC value. Bootstrap validation has been studied as a low variance but higher bias validation method [8].</a:t>
             </a:r>
           </a:p>
           <a:p>
@@ -7040,7 +7279,7 @@
               <a:buChar char="🟢"/>
             </a:pPr>
             <a:r>
-              <a:rPr lang="en-GB" sz="2000" b="1" dirty="0"/>
+              <a:rPr lang="en-GB" b="1" dirty="0"/>
               <a:t>TRAINING TIME:</a:t>
             </a:r>
           </a:p>
@@ -7051,23 +7290,23 @@
               <a:buChar char="🟠"/>
             </a:pPr>
             <a:r>
-              <a:rPr lang="en-GB" sz="2000" dirty="0"/>
+              <a:rPr lang="en-GB" dirty="0"/>
               <a:t>Random forests take around </a:t>
             </a:r>
             <a:r>
-              <a:rPr lang="en-GB" sz="2000" b="1" dirty="0"/>
+              <a:rPr lang="en-GB" b="1" dirty="0"/>
               <a:t>4 seconds </a:t>
             </a:r>
             <a:r>
-              <a:rPr lang="en-GB" sz="2000" dirty="0"/>
+              <a:rPr lang="en-GB" dirty="0"/>
               <a:t>to train (see figure D), decision trees around </a:t>
             </a:r>
             <a:r>
-              <a:rPr lang="en-GB" sz="2000" b="1" dirty="0"/>
+              <a:rPr lang="en-GB" b="1" dirty="0"/>
               <a:t>0.03 seconds</a:t>
             </a:r>
             <a:r>
-              <a:rPr lang="en-GB" sz="2000" dirty="0"/>
+              <a:rPr lang="en-GB" dirty="0"/>
               <a:t>.</a:t>
             </a:r>
           </a:p>
@@ -7077,7 +7316,7 @@
               <a:buChar char="🟢"/>
             </a:pPr>
             <a:r>
-              <a:rPr lang="en-GB" sz="2000" b="1" dirty="0"/>
+              <a:rPr lang="en-GB" b="1" dirty="0"/>
               <a:t>DIFFERENCES BETWEEN MODELS:</a:t>
             </a:r>
           </a:p>
@@ -7088,31 +7327,31 @@
               <a:buChar char="🟠"/>
             </a:pPr>
             <a:r>
-              <a:rPr lang="en-GB" sz="2000" dirty="0"/>
+              <a:rPr lang="en-GB" dirty="0"/>
               <a:t>Models including </a:t>
             </a:r>
             <a:r>
-              <a:rPr lang="en-GB" sz="2000" b="1" dirty="0"/>
+              <a:rPr lang="en-GB" b="1" dirty="0"/>
               <a:t>all variables </a:t>
             </a:r>
             <a:r>
-              <a:rPr lang="en-GB" sz="2000" dirty="0"/>
+              <a:rPr lang="en-GB" dirty="0"/>
               <a:t>performed </a:t>
             </a:r>
             <a:r>
-              <a:rPr lang="en-GB" sz="2000" i="1" dirty="0"/>
+              <a:rPr lang="en-GB" i="1" dirty="0"/>
               <a:t>slightly better </a:t>
             </a:r>
             <a:r>
-              <a:rPr lang="en-GB" sz="2000" dirty="0"/>
+              <a:rPr lang="en-GB" dirty="0"/>
               <a:t>than those </a:t>
             </a:r>
             <a:r>
-              <a:rPr lang="en-GB" sz="2000" b="1" dirty="0"/>
+              <a:rPr lang="en-GB" b="1" dirty="0"/>
               <a:t>excluding Country and Ethnicity</a:t>
             </a:r>
             <a:r>
-              <a:rPr lang="en-GB" sz="2000" dirty="0"/>
+              <a:rPr lang="en-GB" dirty="0"/>
               <a:t>.</a:t>
             </a:r>
           </a:p>
@@ -7123,35 +7362,35 @@
               <a:buChar char="🟠"/>
             </a:pPr>
             <a:r>
-              <a:rPr lang="en-GB" sz="2000" b="1" dirty="0"/>
+              <a:rPr lang="en-GB" b="1" dirty="0"/>
               <a:t>Country</a:t>
             </a:r>
             <a:r>
-              <a:rPr lang="en-GB" sz="2000" dirty="0"/>
+              <a:rPr lang="en-GB" dirty="0"/>
               <a:t> had the highest predictor importance in the 1</a:t>
             </a:r>
             <a:r>
-              <a:rPr lang="en-GB" sz="2000" baseline="30000" dirty="0"/>
+              <a:rPr lang="en-GB" baseline="30000" dirty="0"/>
               <a:t>st</a:t>
             </a:r>
             <a:r>
-              <a:rPr lang="en-GB" sz="2000" dirty="0"/>
+              <a:rPr lang="en-GB" dirty="0"/>
               <a:t> model.</a:t>
             </a:r>
             <a:r>
-              <a:rPr lang="en-GB" sz="2000" b="1" dirty="0"/>
+              <a:rPr lang="en-GB" b="1" dirty="0"/>
               <a:t> </a:t>
             </a:r>
             <a:r>
-              <a:rPr lang="en-GB" sz="2000" dirty="0"/>
+              <a:rPr lang="en-GB" dirty="0"/>
               <a:t>This suggests a </a:t>
             </a:r>
             <a:r>
-              <a:rPr lang="en-GB" sz="2000" b="1" dirty="0"/>
+              <a:rPr lang="en-GB" b="1" dirty="0"/>
               <a:t>very biased dataset </a:t>
             </a:r>
             <a:r>
-              <a:rPr lang="en-GB" sz="2000" dirty="0"/>
+              <a:rPr lang="en-GB" dirty="0"/>
               <a:t>and not representative of a real-world situation. </a:t>
             </a:r>
           </a:p>
@@ -7162,31 +7401,31 @@
               <a:buChar char="🟠"/>
             </a:pPr>
             <a:r>
-              <a:rPr lang="en-GB" sz="2000" dirty="0"/>
+              <a:rPr lang="en-GB" dirty="0"/>
               <a:t>The </a:t>
             </a:r>
             <a:r>
-              <a:rPr lang="en-GB" sz="2000" b="1" dirty="0"/>
+              <a:rPr lang="en-GB" b="1" dirty="0"/>
               <a:t>2</a:t>
             </a:r>
             <a:r>
-              <a:rPr lang="en-GB" sz="2000" b="1" baseline="30000" dirty="0"/>
+              <a:rPr lang="en-GB" b="1" baseline="30000" dirty="0"/>
               <a:t>nd</a:t>
             </a:r>
             <a:r>
-              <a:rPr lang="en-GB" sz="2000" b="1" dirty="0"/>
+              <a:rPr lang="en-GB" b="1" dirty="0"/>
               <a:t> model proves </a:t>
             </a:r>
             <a:r>
-              <a:rPr lang="en-GB" sz="2000" dirty="0"/>
+              <a:rPr lang="en-GB" dirty="0"/>
               <a:t>to be very accurate in predicting and </a:t>
             </a:r>
             <a:r>
-              <a:rPr lang="en-GB" sz="2000" b="1" dirty="0"/>
+              <a:rPr lang="en-GB" b="1" dirty="0"/>
               <a:t>generalising</a:t>
             </a:r>
             <a:r>
-              <a:rPr lang="en-GB" sz="2000" dirty="0"/>
+              <a:rPr lang="en-GB" dirty="0"/>
               <a:t> results with AUC values over 0.8.</a:t>
             </a:r>
           </a:p>
@@ -7197,50 +7436,92 @@
               <a:buChar char="🟠"/>
             </a:pPr>
             <a:r>
-              <a:rPr lang="en-GB" sz="2000" b="1" dirty="0" err="1"/>
+              <a:rPr lang="en-GB" b="1" dirty="0" err="1"/>
               <a:t>Opennes</a:t>
             </a:r>
             <a:r>
-              <a:rPr lang="en-GB" sz="2000" b="1" dirty="0"/>
+              <a:rPr lang="en-GB" b="1" dirty="0"/>
               <a:t> to Experience</a:t>
             </a:r>
             <a:r>
-              <a:rPr lang="en-GB" sz="2000" dirty="0"/>
+              <a:rPr lang="en-GB" dirty="0"/>
               <a:t>, </a:t>
             </a:r>
             <a:r>
-              <a:rPr lang="en-GB" sz="2000" b="1" dirty="0"/>
+              <a:rPr lang="en-GB" b="1" dirty="0"/>
               <a:t>Conscientiousness </a:t>
             </a:r>
             <a:r>
-              <a:rPr lang="en-GB" sz="2000" dirty="0"/>
+              <a:rPr lang="en-GB" dirty="0"/>
               <a:t>and </a:t>
             </a:r>
             <a:r>
-              <a:rPr lang="en-GB" sz="2000" b="1" dirty="0"/>
+              <a:rPr lang="en-GB" b="1" dirty="0"/>
               <a:t>Sensation Seeking </a:t>
             </a:r>
             <a:r>
-              <a:rPr lang="en-GB" sz="2000" dirty="0"/>
+              <a:rPr lang="en-GB" dirty="0"/>
               <a:t>were the </a:t>
             </a:r>
             <a:r>
-              <a:rPr lang="en-GB" sz="2000" b="1" dirty="0"/>
+              <a:rPr lang="en-GB" b="1" dirty="0"/>
               <a:t>most relevant </a:t>
             </a:r>
             <a:r>
-              <a:rPr lang="en-GB" sz="2000" dirty="0"/>
+              <a:rPr lang="en-GB" dirty="0"/>
               <a:t>personality traits in our 2</a:t>
             </a:r>
             <a:r>
-              <a:rPr lang="en-GB" sz="2000" baseline="30000" dirty="0"/>
+              <a:rPr lang="en-GB" baseline="30000" dirty="0"/>
               <a:t>nd</a:t>
             </a:r>
             <a:r>
-              <a:rPr lang="en-GB" sz="2000" dirty="0"/>
+              <a:rPr lang="en-GB" dirty="0"/>
               <a:t> model (see figure C). </a:t>
             </a:r>
-            <a:endParaRPr lang="en-GB" sz="2000" b="1" dirty="0"/>
+          </a:p>
+          <a:p>
+            <a:pPr marL="342900" indent="-342900" algn="just">
+              <a:buSzPct val="50000"/>
+              <a:buFont typeface=".Apple Color Emoji UI"/>
+              <a:buChar char="🟠"/>
+            </a:pPr>
+            <a:r>
+              <a:rPr lang="en-GB" dirty="0"/>
+              <a:t>The </a:t>
+            </a:r>
+            <a:r>
+              <a:rPr lang="en-GB" b="1" dirty="0"/>
+              <a:t>decision tree </a:t>
+            </a:r>
+            <a:r>
+              <a:rPr lang="en-GB" dirty="0"/>
+              <a:t>generated for the 2</a:t>
+            </a:r>
+            <a:r>
+              <a:rPr lang="en-GB" baseline="30000" dirty="0"/>
+              <a:t>nd</a:t>
+            </a:r>
+            <a:r>
+              <a:rPr lang="en-GB" dirty="0"/>
+              <a:t> model is </a:t>
+            </a:r>
+            <a:r>
+              <a:rPr lang="en-GB" b="1" dirty="0"/>
+              <a:t>very readable </a:t>
+            </a:r>
+            <a:r>
+              <a:rPr lang="en-GB" dirty="0"/>
+              <a:t>(see figure F) and shows an easy way to classify cannabis users with </a:t>
+            </a:r>
+            <a:r>
+              <a:rPr lang="en-GB" b="1" dirty="0"/>
+              <a:t>a very decent AUC score</a:t>
+            </a:r>
+            <a:r>
+              <a:rPr lang="en-GB" dirty="0"/>
+              <a:t>. </a:t>
+            </a:r>
           </a:p>
           <a:p>
             <a:pPr marL="342900" indent="-342900" algn="just">
@@ -7249,7 +7530,7 @@
               <a:buChar char="🟢"/>
             </a:pPr>
             <a:r>
-              <a:rPr lang="en-GB" sz="2000" b="1" dirty="0"/>
+              <a:rPr lang="en-GB" b="1" dirty="0"/>
               <a:t>HYPERPARAMETER TUNING: </a:t>
             </a:r>
           </a:p>
@@ -7260,20 +7541,36 @@
               <a:buChar char="🟠"/>
             </a:pPr>
             <a:r>
-              <a:rPr lang="en-GB" sz="2000" b="1" dirty="0"/>
+              <a:rPr lang="en-GB" b="1" dirty="0"/>
               <a:t>Decision trees </a:t>
             </a:r>
             <a:r>
-              <a:rPr lang="en-GB" sz="2000" dirty="0"/>
+              <a:rPr lang="en-GB" dirty="0"/>
               <a:t>tended to have </a:t>
             </a:r>
             <a:r>
-              <a:rPr lang="en-GB" sz="2000" b="1" dirty="0"/>
+              <a:rPr lang="en-GB" b="1" dirty="0"/>
               <a:t>bigger leaf sizes </a:t>
             </a:r>
             <a:r>
-              <a:rPr lang="en-GB" sz="2000" dirty="0"/>
-              <a:t>(14, 32) as compared to random forests (3, 3).</a:t>
+              <a:rPr lang="en-GB" dirty="0"/>
+              <a:t>(14, 32) as compared to random forests (3, 3). This is to </a:t>
+            </a:r>
+            <a:r>
+              <a:rPr lang="en-GB" i="1" dirty="0"/>
+              <a:t>reduce overfitting</a:t>
+            </a:r>
+            <a:r>
+              <a:rPr lang="en-GB" dirty="0"/>
+              <a:t> avoided in random forest by </a:t>
+            </a:r>
+            <a:r>
+              <a:rPr lang="en-GB" b="1" dirty="0"/>
+              <a:t>averaging out </a:t>
+            </a:r>
+            <a:r>
+              <a:rPr lang="en-GB" dirty="0"/>
+              <a:t>the results. </a:t>
             </a:r>
           </a:p>
           <a:p>
@@ -7283,28 +7580,20 @@
               <a:buChar char="🟠"/>
             </a:pPr>
             <a:r>
-              <a:rPr lang="en-GB" sz="2000" b="1" dirty="0"/>
+              <a:rPr lang="en-GB" b="1" dirty="0"/>
               <a:t>Random forests</a:t>
             </a:r>
             <a:r>
-              <a:rPr lang="en-GB" sz="2000" dirty="0"/>
-              <a:t> performed better with a </a:t>
-            </a:r>
-            <a:r>
-              <a:rPr lang="en-GB" sz="2000" b="1" dirty="0"/>
-              <a:t>very low </a:t>
-            </a:r>
-            <a:r>
-              <a:rPr lang="en-GB" sz="2000" dirty="0"/>
-              <a:t>number of </a:t>
-            </a:r>
-            <a:r>
-              <a:rPr lang="en-GB" sz="2000" b="1" dirty="0"/>
-              <a:t>sampled predictors </a:t>
-            </a:r>
-            <a:r>
-              <a:rPr lang="en-GB" sz="2000" dirty="0"/>
-              <a:t>(2, 1).</a:t>
+              <a:rPr lang="en-GB" dirty="0"/>
+              <a:t> performed better </a:t>
+            </a:r>
+            <a:r>
+              <a:rPr lang="en-GB" b="1" dirty="0"/>
+              <a:t>sampling a few predictors  </a:t>
+            </a:r>
+            <a:r>
+              <a:rPr lang="en-GB" dirty="0"/>
+              <a:t>(1, 2), therefore decreasing the correlation between trees and improving the model [9].</a:t>
             </a:r>
           </a:p>
           <a:p>
@@ -7314,28 +7603,36 @@
               <a:buChar char="🟠"/>
             </a:pPr>
             <a:r>
-              <a:rPr lang="en-GB" sz="2000" b="1" dirty="0"/>
+              <a:rPr lang="en-GB" b="1" dirty="0"/>
               <a:t>Number of trees</a:t>
             </a:r>
             <a:r>
-              <a:rPr lang="en-GB" sz="2000" dirty="0"/>
+              <a:rPr lang="en-GB" dirty="0"/>
               <a:t> presented very </a:t>
             </a:r>
             <a:r>
-              <a:rPr lang="en-GB" sz="2000" b="1" dirty="0"/>
+              <a:rPr lang="en-GB" b="1" dirty="0"/>
               <a:t>high variance </a:t>
             </a:r>
             <a:r>
-              <a:rPr lang="en-GB" sz="2000" dirty="0"/>
+              <a:rPr lang="en-GB" dirty="0"/>
               <a:t>in </a:t>
             </a:r>
             <a:r>
-              <a:rPr lang="en-GB" sz="2000" i="1" dirty="0"/>
+              <a:rPr lang="en-GB" i="1" dirty="0"/>
               <a:t>Bayesian optimization </a:t>
             </a:r>
             <a:r>
-              <a:rPr lang="en-GB" sz="2000" dirty="0"/>
-              <a:t>(see figure E) </a:t>
+              <a:rPr lang="en-GB" dirty="0"/>
+              <a:t>(see figure E), suggesting that the number of trees was </a:t>
+            </a:r>
+            <a:r>
+              <a:rPr lang="en-GB" b="1" dirty="0"/>
+              <a:t>not that important </a:t>
+            </a:r>
+            <a:r>
+              <a:rPr lang="en-GB" dirty="0"/>
+              <a:t>to optimize. </a:t>
             </a:r>
           </a:p>
           <a:p>
@@ -7345,55 +7642,63 @@
               <a:buChar char="🟠"/>
             </a:pPr>
             <a:r>
-              <a:rPr lang="en-GB" sz="2000" dirty="0"/>
-              <a:t>Evaluation of this variable against time and against AUC proved that </a:t>
-            </a:r>
-            <a:r>
-              <a:rPr lang="en-GB" sz="2000" i="1" dirty="0"/>
+              <a:rPr lang="en-GB" dirty="0"/>
+              <a:t>Evaluation of </a:t>
+            </a:r>
+            <a:r>
+              <a:rPr lang="en-GB" b="1" dirty="0"/>
+              <a:t>number of trees </a:t>
+            </a:r>
+            <a:r>
+              <a:rPr lang="en-GB" dirty="0"/>
+              <a:t>against time and against AUC proved that </a:t>
+            </a:r>
+            <a:r>
+              <a:rPr lang="en-GB" i="1" dirty="0"/>
               <a:t>incrementing</a:t>
             </a:r>
             <a:r>
-              <a:rPr lang="en-GB" sz="2000" dirty="0"/>
+              <a:rPr lang="en-GB" dirty="0"/>
               <a:t> the </a:t>
             </a:r>
             <a:r>
-              <a:rPr lang="en-GB" sz="2000" b="1" dirty="0"/>
+              <a:rPr lang="en-GB" b="1" dirty="0"/>
               <a:t>number of trees did not improve </a:t>
             </a:r>
             <a:r>
-              <a:rPr lang="en-GB" sz="2000" dirty="0"/>
+              <a:rPr lang="en-GB" dirty="0"/>
               <a:t>by much </a:t>
             </a:r>
             <a:r>
-              <a:rPr lang="en-GB" sz="2000" i="1" dirty="0"/>
+              <a:rPr lang="en-GB" i="1" dirty="0"/>
               <a:t>the model </a:t>
             </a:r>
             <a:r>
-              <a:rPr lang="en-GB" sz="2000" dirty="0"/>
+              <a:rPr lang="en-GB" dirty="0"/>
               <a:t>from around 600 trees, but it </a:t>
             </a:r>
             <a:r>
-              <a:rPr lang="en-GB" sz="2000" i="1" dirty="0"/>
+              <a:rPr lang="en-GB" i="1" dirty="0"/>
               <a:t>added</a:t>
             </a:r>
             <a:r>
-              <a:rPr lang="en-GB" sz="2000" dirty="0"/>
+              <a:rPr lang="en-GB" dirty="0"/>
               <a:t> </a:t>
             </a:r>
             <a:r>
-              <a:rPr lang="en-GB" sz="2000" b="1" dirty="0"/>
+              <a:rPr lang="en-GB" b="1" dirty="0"/>
               <a:t>extra training time </a:t>
             </a:r>
             <a:r>
-              <a:rPr lang="en-GB" sz="2000" dirty="0"/>
+              <a:rPr lang="en-GB" dirty="0"/>
               <a:t>(see figure D). Models were trained with </a:t>
             </a:r>
             <a:r>
-              <a:rPr lang="en-GB" sz="2000" b="1" dirty="0"/>
+              <a:rPr lang="en-GB" b="1" dirty="0"/>
               <a:t>600 trees</a:t>
             </a:r>
             <a:r>
-              <a:rPr lang="en-GB" sz="2000" dirty="0"/>
+              <a:rPr lang="en-GB" dirty="0"/>
               <a:t>.</a:t>
             </a:r>
           </a:p>
@@ -7404,33 +7709,58 @@
               <a:buChar char="🟠"/>
             </a:pPr>
             <a:r>
-              <a:rPr lang="en-GB" sz="2000" dirty="0"/>
+              <a:rPr lang="en-GB" dirty="0"/>
               <a:t>The best decision tree for the 2</a:t>
             </a:r>
             <a:r>
-              <a:rPr lang="en-GB" sz="2000" baseline="30000" dirty="0"/>
+              <a:rPr lang="en-GB" baseline="30000" dirty="0"/>
               <a:t>nd</a:t>
             </a:r>
             <a:r>
-              <a:rPr lang="en-GB" sz="2000" dirty="0"/>
+              <a:rPr lang="en-GB" dirty="0"/>
               <a:t> model had </a:t>
             </a:r>
             <a:r>
-              <a:rPr lang="en-GB" sz="2000" b="1" dirty="0"/>
+              <a:rPr lang="en-GB" b="1" dirty="0"/>
               <a:t>8 pruning levels</a:t>
             </a:r>
             <a:r>
-              <a:rPr lang="en-GB" sz="2000" dirty="0"/>
+              <a:rPr lang="en-GB" dirty="0"/>
               <a:t> (see figure F) and 11 for the 1</a:t>
             </a:r>
             <a:r>
-              <a:rPr lang="en-GB" sz="2000" baseline="30000" dirty="0"/>
+              <a:rPr lang="en-GB" baseline="30000" dirty="0"/>
               <a:t>st</a:t>
             </a:r>
             <a:r>
-              <a:rPr lang="en-GB" sz="2000" dirty="0"/>
+              <a:rPr lang="en-GB" dirty="0"/>
               <a:t> model. </a:t>
             </a:r>
+            <a:r>
+              <a:rPr lang="en-GB" b="1" dirty="0"/>
+              <a:t>Decreasing the size</a:t>
+            </a:r>
+            <a:r>
+              <a:rPr lang="en-GB" dirty="0"/>
+              <a:t> of the tree by </a:t>
+            </a:r>
+            <a:r>
+              <a:rPr lang="en-GB" b="1" dirty="0"/>
+              <a:t>3 levels </a:t>
+            </a:r>
+            <a:r>
+              <a:rPr lang="en-GB" dirty="0"/>
+              <a:t>produced very </a:t>
+            </a:r>
+            <a:r>
+              <a:rPr lang="en-GB" b="1" dirty="0"/>
+              <a:t>similar AUC scores</a:t>
+            </a:r>
+            <a:r>
+              <a:rPr lang="en-GB" dirty="0"/>
+              <a:t>, proving the strength of the model. </a:t>
+            </a:r>
+            <a:endParaRPr lang="en-GB" b="1" dirty="0"/>
           </a:p>
         </p:txBody>
       </p:sp>
@@ -7449,7 +7779,7 @@
           <p:nvPr/>
         </p:nvPicPr>
         <p:blipFill rotWithShape="1">
-          <a:blip r:embed="rId5"/>
+          <a:blip r:embed="rId7"/>
           <a:srcRect l="6738" r="7230"/>
           <a:stretch/>
         </p:blipFill>
@@ -7477,7 +7807,7 @@
         </p:nvGrpSpPr>
         <p:grpSpPr>
           <a:xfrm>
-            <a:off x="6804666" y="23352650"/>
+            <a:off x="6804666" y="22940283"/>
             <a:ext cx="6224565" cy="4095728"/>
             <a:chOff x="6466326" y="23352650"/>
             <a:chExt cx="5899837" cy="3738175"/>
@@ -10110,8 +10440,8 @@
         </p:nvSpPr>
         <p:spPr>
           <a:xfrm>
-            <a:off x="13280445" y="23160863"/>
-            <a:ext cx="7803088" cy="442236"/>
+            <a:off x="13280445" y="22909856"/>
+            <a:ext cx="7803088" cy="330782"/>
           </a:xfrm>
           <a:prstGeom prst="roundRect">
             <a:avLst>
@@ -10147,7 +10477,7 @@
           <a:p>
             <a:pPr algn="ctr"/>
             <a:r>
-              <a:rPr lang="en-ES" sz="3200" b="1" dirty="0">
+              <a:rPr lang="en-ES" sz="2800" b="1" dirty="0">
                 <a:solidFill>
                   <a:schemeClr val="tx1">
                     <a:lumMod val="85000"/>
@@ -10174,8 +10504,8 @@
         </p:nvSpPr>
         <p:spPr>
           <a:xfrm>
-            <a:off x="13280444" y="23766796"/>
-            <a:ext cx="7789433" cy="3695684"/>
+            <a:off x="13280444" y="23318571"/>
+            <a:ext cx="7789433" cy="4114324"/>
           </a:xfrm>
           <a:prstGeom prst="rect">
             <a:avLst/>
@@ -10210,27 +10540,27 @@
               <a:buChar char="🟢"/>
             </a:pPr>
             <a:r>
-              <a:rPr lang="en-ES" sz="2000" b="1" dirty="0"/>
+              <a:rPr lang="en-ES" b="1" dirty="0"/>
               <a:t>Decision trees </a:t>
             </a:r>
             <a:r>
-              <a:rPr lang="en-ES" sz="2000" dirty="0"/>
+              <a:rPr lang="en-ES" dirty="0"/>
               <a:t>are </a:t>
             </a:r>
             <a:r>
-              <a:rPr lang="en-ES" sz="2000" b="1" dirty="0"/>
+              <a:rPr lang="en-ES" b="1" dirty="0"/>
               <a:t>less computationally expensive </a:t>
             </a:r>
             <a:r>
-              <a:rPr lang="en-ES" sz="2000" dirty="0"/>
+              <a:rPr lang="en-ES" dirty="0"/>
               <a:t>than random forests and, given the size of this dataset (1885 samples), </a:t>
             </a:r>
             <a:r>
-              <a:rPr lang="en-ES" sz="2000" b="1" dirty="0"/>
+              <a:rPr lang="en-ES" b="1" dirty="0"/>
               <a:t>perform almost as good</a:t>
             </a:r>
             <a:r>
-              <a:rPr lang="en-ES" sz="2000" dirty="0"/>
+              <a:rPr lang="en-ES" dirty="0"/>
               <a:t>. </a:t>
             </a:r>
           </a:p>
@@ -10241,23 +10571,23 @@
               <a:buChar char="🟢"/>
             </a:pPr>
             <a:r>
-              <a:rPr lang="en-ES" sz="2000" dirty="0"/>
+              <a:rPr lang="en-ES" dirty="0"/>
               <a:t>For quickier results, decision trees </a:t>
             </a:r>
             <a:r>
-              <a:rPr lang="en-ES" sz="2000" i="1" dirty="0"/>
+              <a:rPr lang="en-ES" i="1" dirty="0"/>
               <a:t>are a good option</a:t>
             </a:r>
             <a:r>
-              <a:rPr lang="en-ES" sz="2000" dirty="0"/>
+              <a:rPr lang="en-ES" dirty="0"/>
               <a:t> </a:t>
             </a:r>
             <a:r>
-              <a:rPr lang="en-GB" sz="2000" dirty="0"/>
+              <a:rPr lang="en-GB" dirty="0"/>
               <a:t>i</a:t>
             </a:r>
             <a:r>
-              <a:rPr lang="en-ES" sz="2000" dirty="0"/>
+              <a:rPr lang="en-ES" dirty="0"/>
               <a:t>n this case.</a:t>
             </a:r>
           </a:p>
@@ -10268,15 +10598,15 @@
               <a:buChar char="🟢"/>
             </a:pPr>
             <a:r>
-              <a:rPr lang="en-ES" sz="2000" dirty="0"/>
+              <a:rPr lang="en-ES" dirty="0"/>
               <a:t>Imbalanced data meant higher values of the AUC, suggesting that the </a:t>
             </a:r>
             <a:r>
-              <a:rPr lang="en-ES" sz="2000" b="1" dirty="0"/>
+              <a:rPr lang="en-ES" b="1" dirty="0"/>
               <a:t>dataset is not representative of </a:t>
             </a:r>
             <a:r>
-              <a:rPr lang="en-ES" sz="2000" dirty="0"/>
+              <a:rPr lang="en-ES" dirty="0"/>
               <a:t>the real world. </a:t>
             </a:r>
           </a:p>
@@ -10287,19 +10617,19 @@
               <a:buChar char="🟠"/>
             </a:pPr>
             <a:r>
-              <a:rPr lang="en-ES" sz="2000" dirty="0"/>
+              <a:rPr lang="en-ES" dirty="0"/>
               <a:t>Data collection used snowball method [1], </a:t>
             </a:r>
             <a:r>
-              <a:rPr lang="en-ES" sz="2000" i="1" dirty="0"/>
+              <a:rPr lang="en-ES" i="1" dirty="0"/>
               <a:t>other approaches </a:t>
             </a:r>
             <a:r>
-              <a:rPr lang="en-ES" sz="2000" b="1" dirty="0"/>
+              <a:rPr lang="en-ES" b="1" dirty="0"/>
               <a:t>could improve </a:t>
             </a:r>
             <a:r>
-              <a:rPr lang="en-ES" sz="2000" dirty="0"/>
+              <a:rPr lang="en-ES" dirty="0"/>
               <a:t>the accuracy with reality. </a:t>
             </a:r>
           </a:p>
@@ -10310,32 +10640,59 @@
               <a:buChar char="🟢"/>
             </a:pPr>
             <a:r>
-              <a:rPr lang="en-ES" sz="2000" dirty="0"/>
+              <a:rPr lang="en-ES" dirty="0"/>
               <a:t>Most </a:t>
             </a:r>
             <a:r>
-              <a:rPr lang="en-ES" sz="2000" b="1" dirty="0"/>
+              <a:rPr lang="en-ES" b="1" dirty="0"/>
               <a:t>relevant personality traits </a:t>
             </a:r>
             <a:r>
-              <a:rPr lang="en-ES" sz="2000" dirty="0"/>
+              <a:rPr lang="en-ES" dirty="0"/>
               <a:t>to determine consumption: </a:t>
             </a:r>
             <a:r>
-              <a:rPr lang="en-ES" sz="2000" b="1" dirty="0"/>
+              <a:rPr lang="en-ES" b="1" dirty="0"/>
               <a:t>Sensation Seeking, Opennes to experience </a:t>
             </a:r>
             <a:r>
-              <a:rPr lang="en-ES" sz="2000" dirty="0"/>
+              <a:rPr lang="en-ES" dirty="0"/>
               <a:t>and</a:t>
             </a:r>
             <a:r>
-              <a:rPr lang="en-ES" sz="2000" b="1" dirty="0"/>
+              <a:rPr lang="en-ES" b="1" dirty="0"/>
               <a:t> Conscientiousness</a:t>
             </a:r>
             <a:r>
-              <a:rPr lang="en-ES" sz="2000" dirty="0"/>
+              <a:rPr lang="en-ES" dirty="0"/>
               <a:t>. Similar to Fehrman, E. et al. (2017) [1].</a:t>
+            </a:r>
+          </a:p>
+          <a:p>
+            <a:pPr marL="342900" indent="-342900" algn="just">
+              <a:buSzPct val="75000"/>
+              <a:buFont typeface=".Apple Color Emoji UI"/>
+              <a:buChar char="🟢"/>
+            </a:pPr>
+            <a:r>
+              <a:rPr lang="en-ES" dirty="0"/>
+              <a:t>The original paper [1] trained its best model (a decision tree) using </a:t>
+            </a:r>
+            <a:r>
+              <a:rPr lang="en-ES" b="1" dirty="0"/>
+              <a:t>only 6 parameters </a:t>
+            </a:r>
+            <a:r>
+              <a:rPr lang="en-ES" dirty="0"/>
+              <a:t>(here decision trees use 12 and 10). </a:t>
+            </a:r>
+            <a:r>
+              <a:rPr lang="en-ES" b="1" dirty="0"/>
+              <a:t>Feature selection </a:t>
+            </a:r>
+            <a:r>
+              <a:rPr lang="en-ES" dirty="0"/>
+              <a:t>from feature importance results might be useful to improve AUC scores.  </a:t>
             </a:r>
           </a:p>
           <a:p>
@@ -10362,14 +10719,14 @@
           <p:nvPr/>
         </p:nvPicPr>
         <p:blipFill>
-          <a:blip r:embed="rId6"/>
+          <a:blip r:embed="rId8"/>
           <a:stretch>
             <a:fillRect/>
           </a:stretch>
         </p:blipFill>
         <p:spPr>
           <a:xfrm>
-            <a:off x="18234652" y="18405292"/>
+            <a:off x="18234652" y="17885337"/>
             <a:ext cx="2864455" cy="4591874"/>
           </a:xfrm>
           <a:prstGeom prst="rect">
@@ -10392,14 +10749,14 @@
           <p:nvPr/>
         </p:nvPicPr>
         <p:blipFill>
-          <a:blip r:embed="rId7"/>
+          <a:blip r:embed="rId9"/>
           <a:stretch>
             <a:fillRect/>
           </a:stretch>
         </p:blipFill>
         <p:spPr>
           <a:xfrm>
-            <a:off x="12706877" y="18359824"/>
+            <a:off x="12706877" y="17839875"/>
             <a:ext cx="5413483" cy="4756617"/>
           </a:xfrm>
           <a:prstGeom prst="rect">
@@ -10422,14 +10779,14 @@
           <p:nvPr/>
         </p:nvPicPr>
         <p:blipFill>
-          <a:blip r:embed="rId8"/>
+          <a:blip r:embed="rId10"/>
           <a:stretch>
             <a:fillRect/>
           </a:stretch>
         </p:blipFill>
         <p:spPr>
           <a:xfrm>
-            <a:off x="6804666" y="18390370"/>
+            <a:off x="6804666" y="17852490"/>
             <a:ext cx="5889356" cy="4489165"/>
           </a:xfrm>
           <a:prstGeom prst="rect">
@@ -10451,7 +10808,7 @@
         </p:nvSpPr>
         <p:spPr>
           <a:xfrm>
-            <a:off x="207725" y="10461171"/>
+            <a:off x="207725" y="10258384"/>
             <a:ext cx="592986" cy="609600"/>
           </a:xfrm>
           <a:prstGeom prst="roundRect">
@@ -10500,7 +10857,7 @@
         </p:nvSpPr>
         <p:spPr>
           <a:xfrm>
-            <a:off x="10577058" y="10492084"/>
+            <a:off x="10576838" y="10258384"/>
             <a:ext cx="592986" cy="609600"/>
           </a:xfrm>
           <a:prstGeom prst="roundRect">
@@ -10549,7 +10906,7 @@
         </p:nvSpPr>
         <p:spPr>
           <a:xfrm>
-            <a:off x="7058432" y="22445597"/>
+            <a:off x="7062118" y="22122869"/>
             <a:ext cx="592986" cy="609600"/>
           </a:xfrm>
           <a:prstGeom prst="roundRect">
@@ -10598,7 +10955,7 @@
         </p:nvSpPr>
         <p:spPr>
           <a:xfrm>
-            <a:off x="18095371" y="22445597"/>
+            <a:off x="18095371" y="22122870"/>
             <a:ext cx="592986" cy="609600"/>
           </a:xfrm>
           <a:prstGeom prst="roundRect">
@@ -10647,7 +11004,7 @@
         </p:nvSpPr>
         <p:spPr>
           <a:xfrm>
-            <a:off x="12228741" y="22445597"/>
+            <a:off x="12228741" y="22122869"/>
             <a:ext cx="592986" cy="609600"/>
           </a:xfrm>
           <a:prstGeom prst="roundRect">
@@ -10696,7 +11053,7 @@
         </p:nvSpPr>
         <p:spPr>
           <a:xfrm>
-            <a:off x="7062118" y="26769371"/>
+            <a:off x="7062118" y="26569964"/>
             <a:ext cx="592986" cy="609600"/>
           </a:xfrm>
           <a:prstGeom prst="roundRect">

--- a/PosterAndExtra/Poster.pptx
+++ b/PosterAndExtra/Poster.pptx
@@ -197,7 +197,7 @@
           <a:p>
             <a:fld id="{87364538-87FA-7C43-96BF-1F76E4CC8B12}" type="datetimeFigureOut">
               <a:rPr lang="en-ES" smtClean="0"/>
-              <a:t>03/12/2020</a:t>
+              <a:t>05/12/2020</a:t>
             </a:fld>
             <a:endParaRPr lang="en-ES"/>
           </a:p>
@@ -680,7 +680,7 @@
           <a:p>
             <a:fld id="{DC89E6F9-F622-384A-BC03-AE3978A27356}" type="datetimeFigureOut">
               <a:rPr lang="en-ES" smtClean="0"/>
-              <a:t>03/12/2020</a:t>
+              <a:t>05/12/2020</a:t>
             </a:fld>
             <a:endParaRPr lang="en-ES"/>
           </a:p>
@@ -850,7 +850,7 @@
           <a:p>
             <a:fld id="{DC89E6F9-F622-384A-BC03-AE3978A27356}" type="datetimeFigureOut">
               <a:rPr lang="en-ES" smtClean="0"/>
-              <a:t>03/12/2020</a:t>
+              <a:t>05/12/2020</a:t>
             </a:fld>
             <a:endParaRPr lang="en-ES"/>
           </a:p>
@@ -1030,7 +1030,7 @@
           <a:p>
             <a:fld id="{DC89E6F9-F622-384A-BC03-AE3978A27356}" type="datetimeFigureOut">
               <a:rPr lang="en-ES" smtClean="0"/>
-              <a:t>03/12/2020</a:t>
+              <a:t>05/12/2020</a:t>
             </a:fld>
             <a:endParaRPr lang="en-ES"/>
           </a:p>
@@ -1200,7 +1200,7 @@
           <a:p>
             <a:fld id="{DC89E6F9-F622-384A-BC03-AE3978A27356}" type="datetimeFigureOut">
               <a:rPr lang="en-ES" smtClean="0"/>
-              <a:t>03/12/2020</a:t>
+              <a:t>05/12/2020</a:t>
             </a:fld>
             <a:endParaRPr lang="en-ES"/>
           </a:p>
@@ -1444,7 +1444,7 @@
           <a:p>
             <a:fld id="{DC89E6F9-F622-384A-BC03-AE3978A27356}" type="datetimeFigureOut">
               <a:rPr lang="en-ES" smtClean="0"/>
-              <a:t>03/12/2020</a:t>
+              <a:t>05/12/2020</a:t>
             </a:fld>
             <a:endParaRPr lang="en-ES"/>
           </a:p>
@@ -1676,7 +1676,7 @@
           <a:p>
             <a:fld id="{DC89E6F9-F622-384A-BC03-AE3978A27356}" type="datetimeFigureOut">
               <a:rPr lang="en-ES" smtClean="0"/>
-              <a:t>03/12/2020</a:t>
+              <a:t>05/12/2020</a:t>
             </a:fld>
             <a:endParaRPr lang="en-ES"/>
           </a:p>
@@ -2043,7 +2043,7 @@
           <a:p>
             <a:fld id="{DC89E6F9-F622-384A-BC03-AE3978A27356}" type="datetimeFigureOut">
               <a:rPr lang="en-ES" smtClean="0"/>
-              <a:t>03/12/2020</a:t>
+              <a:t>05/12/2020</a:t>
             </a:fld>
             <a:endParaRPr lang="en-ES"/>
           </a:p>
@@ -2161,7 +2161,7 @@
           <a:p>
             <a:fld id="{DC89E6F9-F622-384A-BC03-AE3978A27356}" type="datetimeFigureOut">
               <a:rPr lang="en-ES" smtClean="0"/>
-              <a:t>03/12/2020</a:t>
+              <a:t>05/12/2020</a:t>
             </a:fld>
             <a:endParaRPr lang="en-ES"/>
           </a:p>
@@ -2256,7 +2256,7 @@
           <a:p>
             <a:fld id="{DC89E6F9-F622-384A-BC03-AE3978A27356}" type="datetimeFigureOut">
               <a:rPr lang="en-ES" smtClean="0"/>
-              <a:t>03/12/2020</a:t>
+              <a:t>05/12/2020</a:t>
             </a:fld>
             <a:endParaRPr lang="en-ES"/>
           </a:p>
@@ -2533,7 +2533,7 @@
           <a:p>
             <a:fld id="{DC89E6F9-F622-384A-BC03-AE3978A27356}" type="datetimeFigureOut">
               <a:rPr lang="en-ES" smtClean="0"/>
-              <a:t>03/12/2020</a:t>
+              <a:t>05/12/2020</a:t>
             </a:fld>
             <a:endParaRPr lang="en-ES"/>
           </a:p>
@@ -2790,7 +2790,7 @@
           <a:p>
             <a:fld id="{DC89E6F9-F622-384A-BC03-AE3978A27356}" type="datetimeFigureOut">
               <a:rPr lang="en-ES" smtClean="0"/>
-              <a:t>03/12/2020</a:t>
+              <a:t>05/12/2020</a:t>
             </a:fld>
             <a:endParaRPr lang="en-ES"/>
           </a:p>
@@ -3003,7 +3003,7 @@
           <a:p>
             <a:fld id="{DC89E6F9-F622-384A-BC03-AE3978A27356}" type="datetimeFigureOut">
               <a:rPr lang="en-ES" smtClean="0"/>
-              <a:t>03/12/2020</a:t>
+              <a:t>05/12/2020</a:t>
             </a:fld>
             <a:endParaRPr lang="en-ES"/>
           </a:p>
